--- a/6. 기타/어플 아이콘.pptx
+++ b/6. 기타/어플 아이콘.pptx
@@ -6,14 +6,23 @@
   </p:sldMasterIdLst>
   <p:sldIdLst>
     <p:sldId id="268" r:id="rId2"/>
+    <p:sldId id="269" r:id="rId3"/>
   </p:sldIdLst>
   <p:sldSz cx="12192000" cy="6858000"/>
   <p:notesSz cx="6858000" cy="9144000"/>
   <p:embeddedFontLst>
     <p:embeddedFont>
+      <p:font typeface="210 콤퓨타세탁 L" panose="02020603020101020101" pitchFamily="18" charset="-127"/>
+      <p:regular r:id="rId4"/>
+    </p:embeddedFont>
+    <p:embeddedFont>
+      <p:font typeface="210 콤퓨타세탁 R" panose="02020603020101020101" pitchFamily="18" charset="-127"/>
+      <p:regular r:id="rId5"/>
+    </p:embeddedFont>
+    <p:embeddedFont>
       <p:font typeface="맑은 고딕" panose="020B0503020000020004" pitchFamily="50" charset="-127"/>
-      <p:regular r:id="rId3"/>
-      <p:bold r:id="rId4"/>
+      <p:regular r:id="rId6"/>
+      <p:bold r:id="rId7"/>
     </p:embeddedFont>
   </p:embeddedFontLst>
   <p:defaultTextStyle>
@@ -3365,6 +3374,2956 @@
 </p:sld>
 </file>
 
+<file path=ppt/slides/slide2.xml><?xml version="1.0" encoding="utf-8"?>
+<p:sld xmlns:a="http://schemas.openxmlformats.org/drawingml/2006/main" xmlns:r="http://schemas.openxmlformats.org/officeDocument/2006/relationships" xmlns:p="http://schemas.openxmlformats.org/presentationml/2006/main">
+  <p:cSld>
+    <p:bg>
+      <p:bgPr>
+        <a:solidFill>
+          <a:srgbClr val="E9F1DF"/>
+        </a:solidFill>
+        <a:effectLst/>
+      </p:bgPr>
+    </p:bg>
+    <p:spTree>
+      <p:nvGrpSpPr>
+        <p:cNvPr id="1" name=""/>
+        <p:cNvGrpSpPr/>
+        <p:nvPr/>
+      </p:nvGrpSpPr>
+      <p:grpSpPr>
+        <a:xfrm>
+          <a:off x="0" y="0"/>
+          <a:ext cx="0" cy="0"/>
+          <a:chOff x="0" y="0"/>
+          <a:chExt cx="0" cy="0"/>
+        </a:xfrm>
+      </p:grpSpPr>
+      <p:sp>
+        <p:nvSpPr>
+          <p:cNvPr id="35" name="타원 34"/>
+          <p:cNvSpPr/>
+          <p:nvPr/>
+        </p:nvSpPr>
+        <p:spPr>
+          <a:xfrm rot="5400000">
+            <a:off x="594027" y="517165"/>
+            <a:ext cx="776038" cy="810459"/>
+          </a:xfrm>
+          <a:prstGeom prst="ellipse">
+            <a:avLst/>
+          </a:prstGeom>
+          <a:solidFill>
+            <a:srgbClr val="DAB38A"/>
+          </a:solidFill>
+          <a:ln>
+            <a:noFill/>
+          </a:ln>
+        </p:spPr>
+        <p:style>
+          <a:lnRef idx="2">
+            <a:schemeClr val="accent1">
+              <a:shade val="50000"/>
+            </a:schemeClr>
+          </a:lnRef>
+          <a:fillRef idx="1">
+            <a:schemeClr val="accent1"/>
+          </a:fillRef>
+          <a:effectRef idx="0">
+            <a:schemeClr val="accent1"/>
+          </a:effectRef>
+          <a:fontRef idx="minor">
+            <a:schemeClr val="lt1"/>
+          </a:fontRef>
+        </p:style>
+        <p:txBody>
+          <a:bodyPr rtlCol="0" anchor="ctr"/>
+          <a:lstStyle/>
+          <a:p>
+            <a:pPr algn="ctr"/>
+            <a:endParaRPr lang="ko-KR" altLang="en-US"/>
+          </a:p>
+        </p:txBody>
+      </p:sp>
+      <p:cxnSp>
+        <p:nvCxnSpPr>
+          <p:cNvPr id="36" name="직선 연결선 35"/>
+          <p:cNvCxnSpPr/>
+          <p:nvPr/>
+        </p:nvCxnSpPr>
+        <p:spPr>
+          <a:xfrm rot="5400000">
+            <a:off x="1688692" y="503330"/>
+            <a:ext cx="0" cy="840317"/>
+          </a:xfrm>
+          <a:prstGeom prst="line">
+            <a:avLst/>
+          </a:prstGeom>
+          <a:ln w="19050" cap="rnd">
+            <a:solidFill>
+              <a:srgbClr val="DAB38A"/>
+            </a:solidFill>
+          </a:ln>
+        </p:spPr>
+        <p:style>
+          <a:lnRef idx="1">
+            <a:schemeClr val="accent1"/>
+          </a:lnRef>
+          <a:fillRef idx="0">
+            <a:schemeClr val="accent1"/>
+          </a:fillRef>
+          <a:effectRef idx="0">
+            <a:schemeClr val="accent1"/>
+          </a:effectRef>
+          <a:fontRef idx="minor">
+            <a:schemeClr val="tx1"/>
+          </a:fontRef>
+        </p:style>
+      </p:cxnSp>
+      <p:sp>
+        <p:nvSpPr>
+          <p:cNvPr id="37" name="타원 36"/>
+          <p:cNvSpPr/>
+          <p:nvPr/>
+        </p:nvSpPr>
+        <p:spPr>
+          <a:xfrm rot="5400000">
+            <a:off x="2103284" y="889433"/>
+            <a:ext cx="63124" cy="65924"/>
+          </a:xfrm>
+          <a:prstGeom prst="ellipse">
+            <a:avLst/>
+          </a:prstGeom>
+          <a:solidFill>
+            <a:srgbClr val="DAB38A"/>
+          </a:solidFill>
+          <a:ln>
+            <a:noFill/>
+          </a:ln>
+        </p:spPr>
+        <p:style>
+          <a:lnRef idx="2">
+            <a:schemeClr val="accent1">
+              <a:shade val="50000"/>
+            </a:schemeClr>
+          </a:lnRef>
+          <a:fillRef idx="1">
+            <a:schemeClr val="accent1"/>
+          </a:fillRef>
+          <a:effectRef idx="0">
+            <a:schemeClr val="accent1"/>
+          </a:effectRef>
+          <a:fontRef idx="minor">
+            <a:schemeClr val="lt1"/>
+          </a:fontRef>
+        </p:style>
+        <p:txBody>
+          <a:bodyPr rtlCol="0" anchor="ctr"/>
+          <a:lstStyle/>
+          <a:p>
+            <a:pPr algn="ctr"/>
+            <a:endParaRPr lang="ko-KR" altLang="en-US"/>
+          </a:p>
+        </p:txBody>
+      </p:sp>
+      <p:sp>
+        <p:nvSpPr>
+          <p:cNvPr id="12" name="TextBox 11"/>
+          <p:cNvSpPr txBox="1"/>
+          <p:nvPr/>
+        </p:nvSpPr>
+        <p:spPr>
+          <a:xfrm>
+            <a:off x="2224111" y="777176"/>
+            <a:ext cx="1715534" cy="338554"/>
+          </a:xfrm>
+          <a:prstGeom prst="rect">
+            <a:avLst/>
+          </a:prstGeom>
+          <a:noFill/>
+          <a:scene3d>
+            <a:camera prst="obliqueTopLeft"/>
+            <a:lightRig rig="threePt" dir="t"/>
+          </a:scene3d>
+        </p:spPr>
+        <p:txBody>
+          <a:bodyPr wrap="none" rtlCol="0">
+            <a:spAutoFit/>
+          </a:bodyPr>
+          <a:lstStyle/>
+          <a:p>
+            <a:r>
+              <a:rPr lang="ko-KR" altLang="en-US" sz="1600" dirty="0">
+                <a:solidFill>
+                  <a:srgbClr val="DAB38A"/>
+                </a:solidFill>
+                <a:latin typeface="210 콤퓨타세탁 R" panose="02020603020101020101" pitchFamily="18" charset="-127"/>
+                <a:ea typeface="210 콤퓨타세탁 R" panose="02020603020101020101" pitchFamily="18" charset="-127"/>
+              </a:rPr>
+              <a:t>소제목을 써주세요</a:t>
+            </a:r>
+          </a:p>
+        </p:txBody>
+      </p:sp>
+      <p:sp>
+        <p:nvSpPr>
+          <p:cNvPr id="34" name="직사각형 33"/>
+          <p:cNvSpPr/>
+          <p:nvPr/>
+        </p:nvSpPr>
+        <p:spPr>
+          <a:xfrm>
+            <a:off x="304800" y="266700"/>
+            <a:ext cx="11582400" cy="6324600"/>
+          </a:xfrm>
+          <a:prstGeom prst="rect">
+            <a:avLst/>
+          </a:prstGeom>
+          <a:noFill/>
+          <a:ln w="88900">
+            <a:solidFill>
+              <a:srgbClr val="DAB38A"/>
+            </a:solidFill>
+          </a:ln>
+        </p:spPr>
+        <p:style>
+          <a:lnRef idx="2">
+            <a:schemeClr val="accent1">
+              <a:shade val="50000"/>
+            </a:schemeClr>
+          </a:lnRef>
+          <a:fillRef idx="1">
+            <a:schemeClr val="accent1"/>
+          </a:fillRef>
+          <a:effectRef idx="0">
+            <a:schemeClr val="accent1"/>
+          </a:effectRef>
+          <a:fontRef idx="minor">
+            <a:schemeClr val="lt1"/>
+          </a:fontRef>
+        </p:style>
+        <p:txBody>
+          <a:bodyPr rtlCol="0" anchor="ctr"/>
+          <a:lstStyle/>
+          <a:p>
+            <a:pPr algn="ctr"/>
+            <a:endParaRPr lang="ko-KR" altLang="en-US"/>
+          </a:p>
+        </p:txBody>
+      </p:sp>
+      <p:pic>
+        <p:nvPicPr>
+          <p:cNvPr id="67" name="그림 66"/>
+          <p:cNvPicPr>
+            <a:picLocks noChangeAspect="1"/>
+          </p:cNvPicPr>
+          <p:nvPr/>
+        </p:nvPicPr>
+        <p:blipFill>
+          <a:blip r:embed="rId2" cstate="print">
+            <a:extLst>
+              <a:ext uri="{28A0092B-C50C-407E-A947-70E740481C1C}">
+                <a14:useLocalDpi xmlns:a14="http://schemas.microsoft.com/office/drawing/2010/main" val="0"/>
+              </a:ext>
+            </a:extLst>
+          </a:blip>
+          <a:stretch>
+            <a:fillRect/>
+          </a:stretch>
+        </p:blipFill>
+        <p:spPr>
+          <a:xfrm>
+            <a:off x="805654" y="746002"/>
+            <a:ext cx="352784" cy="352784"/>
+          </a:xfrm>
+          <a:prstGeom prst="rect">
+            <a:avLst/>
+          </a:prstGeom>
+        </p:spPr>
+      </p:pic>
+      <p:sp>
+        <p:nvSpPr>
+          <p:cNvPr id="120" name="자유형 119"/>
+          <p:cNvSpPr/>
+          <p:nvPr/>
+        </p:nvSpPr>
+        <p:spPr>
+          <a:xfrm>
+            <a:off x="2410396" y="4522964"/>
+            <a:ext cx="477452" cy="251075"/>
+          </a:xfrm>
+          <a:custGeom>
+            <a:avLst/>
+            <a:gdLst>
+              <a:gd name="connsiteX0" fmla="*/ 238726 w 477452"/>
+              <a:gd name="connsiteY0" fmla="*/ 0 h 251075"/>
+              <a:gd name="connsiteX1" fmla="*/ 477452 w 477452"/>
+              <a:gd name="connsiteY1" fmla="*/ 238726 h 251075"/>
+              <a:gd name="connsiteX2" fmla="*/ 474959 w 477452"/>
+              <a:gd name="connsiteY2" fmla="*/ 251075 h 251075"/>
+              <a:gd name="connsiteX3" fmla="*/ 2493 w 477452"/>
+              <a:gd name="connsiteY3" fmla="*/ 251075 h 251075"/>
+              <a:gd name="connsiteX4" fmla="*/ 0 w 477452"/>
+              <a:gd name="connsiteY4" fmla="*/ 238726 h 251075"/>
+              <a:gd name="connsiteX5" fmla="*/ 238726 w 477452"/>
+              <a:gd name="connsiteY5" fmla="*/ 0 h 251075"/>
+            </a:gdLst>
+            <a:ahLst/>
+            <a:cxnLst>
+              <a:cxn ang="0">
+                <a:pos x="connsiteX0" y="connsiteY0"/>
+              </a:cxn>
+              <a:cxn ang="0">
+                <a:pos x="connsiteX1" y="connsiteY1"/>
+              </a:cxn>
+              <a:cxn ang="0">
+                <a:pos x="connsiteX2" y="connsiteY2"/>
+              </a:cxn>
+              <a:cxn ang="0">
+                <a:pos x="connsiteX3" y="connsiteY3"/>
+              </a:cxn>
+              <a:cxn ang="0">
+                <a:pos x="connsiteX4" y="connsiteY4"/>
+              </a:cxn>
+              <a:cxn ang="0">
+                <a:pos x="connsiteX5" y="connsiteY5"/>
+              </a:cxn>
+            </a:cxnLst>
+            <a:rect l="l" t="t" r="r" b="b"/>
+            <a:pathLst>
+              <a:path w="477452" h="251075">
+                <a:moveTo>
+                  <a:pt x="238726" y="0"/>
+                </a:moveTo>
+                <a:cubicBezTo>
+                  <a:pt x="370571" y="0"/>
+                  <a:pt x="477452" y="106881"/>
+                  <a:pt x="477452" y="238726"/>
+                </a:cubicBezTo>
+                <a:lnTo>
+                  <a:pt x="474959" y="251075"/>
+                </a:lnTo>
+                <a:lnTo>
+                  <a:pt x="2493" y="251075"/>
+                </a:lnTo>
+                <a:lnTo>
+                  <a:pt x="0" y="238726"/>
+                </a:lnTo>
+                <a:cubicBezTo>
+                  <a:pt x="0" y="106881"/>
+                  <a:pt x="106881" y="0"/>
+                  <a:pt x="238726" y="0"/>
+                </a:cubicBezTo>
+                <a:close/>
+              </a:path>
+            </a:pathLst>
+          </a:custGeom>
+          <a:solidFill>
+            <a:srgbClr val="6399B1">
+              <a:alpha val="60000"/>
+            </a:srgbClr>
+          </a:solidFill>
+          <a:ln>
+            <a:noFill/>
+          </a:ln>
+        </p:spPr>
+        <p:style>
+          <a:lnRef idx="2">
+            <a:schemeClr val="accent1">
+              <a:shade val="50000"/>
+            </a:schemeClr>
+          </a:lnRef>
+          <a:fillRef idx="1">
+            <a:schemeClr val="accent1"/>
+          </a:fillRef>
+          <a:effectRef idx="0">
+            <a:schemeClr val="accent1"/>
+          </a:effectRef>
+          <a:fontRef idx="minor">
+            <a:schemeClr val="lt1"/>
+          </a:fontRef>
+        </p:style>
+        <p:txBody>
+          <a:bodyPr wrap="square" rtlCol="0" anchor="ctr">
+            <a:noAutofit/>
+          </a:bodyPr>
+          <a:lstStyle/>
+          <a:p>
+            <a:pPr algn="ctr"/>
+            <a:endParaRPr lang="ko-KR" altLang="en-US"/>
+          </a:p>
+        </p:txBody>
+      </p:sp>
+      <p:sp>
+        <p:nvSpPr>
+          <p:cNvPr id="111" name="자유형 110"/>
+          <p:cNvSpPr/>
+          <p:nvPr/>
+        </p:nvSpPr>
+        <p:spPr>
+          <a:xfrm>
+            <a:off x="1552500" y="3366993"/>
+            <a:ext cx="2404394" cy="1966724"/>
+          </a:xfrm>
+          <a:custGeom>
+            <a:avLst/>
+            <a:gdLst>
+              <a:gd name="connsiteX0" fmla="*/ 621815 w 1243630"/>
+              <a:gd name="connsiteY0" fmla="*/ 0 h 1017253"/>
+              <a:gd name="connsiteX1" fmla="*/ 1243630 w 1243630"/>
+              <a:gd name="connsiteY1" fmla="*/ 621815 h 1017253"/>
+              <a:gd name="connsiteX2" fmla="*/ 1137434 w 1243630"/>
+              <a:gd name="connsiteY2" fmla="*/ 969478 h 1017253"/>
+              <a:gd name="connsiteX3" fmla="*/ 1098016 w 1243630"/>
+              <a:gd name="connsiteY3" fmla="*/ 1017253 h 1017253"/>
+              <a:gd name="connsiteX4" fmla="*/ 145615 w 1243630"/>
+              <a:gd name="connsiteY4" fmla="*/ 1017253 h 1017253"/>
+              <a:gd name="connsiteX5" fmla="*/ 106196 w 1243630"/>
+              <a:gd name="connsiteY5" fmla="*/ 969478 h 1017253"/>
+              <a:gd name="connsiteX6" fmla="*/ 0 w 1243630"/>
+              <a:gd name="connsiteY6" fmla="*/ 621815 h 1017253"/>
+              <a:gd name="connsiteX7" fmla="*/ 621815 w 1243630"/>
+              <a:gd name="connsiteY7" fmla="*/ 0 h 1017253"/>
+            </a:gdLst>
+            <a:ahLst/>
+            <a:cxnLst>
+              <a:cxn ang="0">
+                <a:pos x="connsiteX0" y="connsiteY0"/>
+              </a:cxn>
+              <a:cxn ang="0">
+                <a:pos x="connsiteX1" y="connsiteY1"/>
+              </a:cxn>
+              <a:cxn ang="0">
+                <a:pos x="connsiteX2" y="connsiteY2"/>
+              </a:cxn>
+              <a:cxn ang="0">
+                <a:pos x="connsiteX3" y="connsiteY3"/>
+              </a:cxn>
+              <a:cxn ang="0">
+                <a:pos x="connsiteX4" y="connsiteY4"/>
+              </a:cxn>
+              <a:cxn ang="0">
+                <a:pos x="connsiteX5" y="connsiteY5"/>
+              </a:cxn>
+              <a:cxn ang="0">
+                <a:pos x="connsiteX6" y="connsiteY6"/>
+              </a:cxn>
+              <a:cxn ang="0">
+                <a:pos x="connsiteX7" y="connsiteY7"/>
+              </a:cxn>
+            </a:cxnLst>
+            <a:rect l="l" t="t" r="r" b="b"/>
+            <a:pathLst>
+              <a:path w="1243630" h="1017253">
+                <a:moveTo>
+                  <a:pt x="621815" y="0"/>
+                </a:moveTo>
+                <a:cubicBezTo>
+                  <a:pt x="965234" y="0"/>
+                  <a:pt x="1243630" y="278396"/>
+                  <a:pt x="1243630" y="621815"/>
+                </a:cubicBezTo>
+                <a:cubicBezTo>
+                  <a:pt x="1243630" y="750597"/>
+                  <a:pt x="1204481" y="870236"/>
+                  <a:pt x="1137434" y="969478"/>
+                </a:cubicBezTo>
+                <a:lnTo>
+                  <a:pt x="1098016" y="1017253"/>
+                </a:lnTo>
+                <a:lnTo>
+                  <a:pt x="145615" y="1017253"/>
+                </a:lnTo>
+                <a:lnTo>
+                  <a:pt x="106196" y="969478"/>
+                </a:lnTo>
+                <a:cubicBezTo>
+                  <a:pt x="39150" y="870236"/>
+                  <a:pt x="0" y="750597"/>
+                  <a:pt x="0" y="621815"/>
+                </a:cubicBezTo>
+                <a:cubicBezTo>
+                  <a:pt x="0" y="278396"/>
+                  <a:pt x="278396" y="0"/>
+                  <a:pt x="621815" y="0"/>
+                </a:cubicBezTo>
+                <a:close/>
+              </a:path>
+            </a:pathLst>
+          </a:custGeom>
+          <a:solidFill>
+            <a:srgbClr val="A089AD">
+              <a:alpha val="61000"/>
+            </a:srgbClr>
+          </a:solidFill>
+          <a:ln>
+            <a:noFill/>
+          </a:ln>
+        </p:spPr>
+        <p:style>
+          <a:lnRef idx="2">
+            <a:schemeClr val="accent1">
+              <a:shade val="50000"/>
+            </a:schemeClr>
+          </a:lnRef>
+          <a:fillRef idx="1">
+            <a:schemeClr val="accent1"/>
+          </a:fillRef>
+          <a:effectRef idx="0">
+            <a:schemeClr val="accent1"/>
+          </a:effectRef>
+          <a:fontRef idx="minor">
+            <a:schemeClr val="lt1"/>
+          </a:fontRef>
+        </p:style>
+        <p:txBody>
+          <a:bodyPr wrap="square" rtlCol="0" anchor="ctr">
+            <a:noAutofit/>
+          </a:bodyPr>
+          <a:lstStyle/>
+          <a:p>
+            <a:pPr algn="ctr"/>
+            <a:endParaRPr lang="ko-KR" altLang="en-US"/>
+          </a:p>
+        </p:txBody>
+      </p:sp>
+      <p:sp>
+        <p:nvSpPr>
+          <p:cNvPr id="112" name="자유형 111"/>
+          <p:cNvSpPr/>
+          <p:nvPr/>
+        </p:nvSpPr>
+        <p:spPr>
+          <a:xfrm>
+            <a:off x="2162354" y="4004086"/>
+            <a:ext cx="993282" cy="768660"/>
+          </a:xfrm>
+          <a:custGeom>
+            <a:avLst/>
+            <a:gdLst>
+              <a:gd name="connsiteX0" fmla="*/ 496641 w 993282"/>
+              <a:gd name="connsiteY0" fmla="*/ 0 h 768660"/>
+              <a:gd name="connsiteX1" fmla="*/ 993282 w 993282"/>
+              <a:gd name="connsiteY1" fmla="*/ 496641 h 768660"/>
+              <a:gd name="connsiteX2" fmla="*/ 954254 w 993282"/>
+              <a:gd name="connsiteY2" fmla="*/ 689956 h 768660"/>
+              <a:gd name="connsiteX3" fmla="*/ 911534 w 993282"/>
+              <a:gd name="connsiteY3" fmla="*/ 768660 h 768660"/>
+              <a:gd name="connsiteX4" fmla="*/ 81748 w 993282"/>
+              <a:gd name="connsiteY4" fmla="*/ 768660 h 768660"/>
+              <a:gd name="connsiteX5" fmla="*/ 39029 w 993282"/>
+              <a:gd name="connsiteY5" fmla="*/ 689956 h 768660"/>
+              <a:gd name="connsiteX6" fmla="*/ 0 w 993282"/>
+              <a:gd name="connsiteY6" fmla="*/ 496641 h 768660"/>
+              <a:gd name="connsiteX7" fmla="*/ 496641 w 993282"/>
+              <a:gd name="connsiteY7" fmla="*/ 0 h 768660"/>
+            </a:gdLst>
+            <a:ahLst/>
+            <a:cxnLst>
+              <a:cxn ang="0">
+                <a:pos x="connsiteX0" y="connsiteY0"/>
+              </a:cxn>
+              <a:cxn ang="0">
+                <a:pos x="connsiteX1" y="connsiteY1"/>
+              </a:cxn>
+              <a:cxn ang="0">
+                <a:pos x="connsiteX2" y="connsiteY2"/>
+              </a:cxn>
+              <a:cxn ang="0">
+                <a:pos x="connsiteX3" y="connsiteY3"/>
+              </a:cxn>
+              <a:cxn ang="0">
+                <a:pos x="connsiteX4" y="connsiteY4"/>
+              </a:cxn>
+              <a:cxn ang="0">
+                <a:pos x="connsiteX5" y="connsiteY5"/>
+              </a:cxn>
+              <a:cxn ang="0">
+                <a:pos x="connsiteX6" y="connsiteY6"/>
+              </a:cxn>
+              <a:cxn ang="0">
+                <a:pos x="connsiteX7" y="connsiteY7"/>
+              </a:cxn>
+            </a:cxnLst>
+            <a:rect l="l" t="t" r="r" b="b"/>
+            <a:pathLst>
+              <a:path w="993282" h="768660">
+                <a:moveTo>
+                  <a:pt x="496641" y="0"/>
+                </a:moveTo>
+                <a:cubicBezTo>
+                  <a:pt x="770928" y="0"/>
+                  <a:pt x="993282" y="222354"/>
+                  <a:pt x="993282" y="496641"/>
+                </a:cubicBezTo>
+                <a:cubicBezTo>
+                  <a:pt x="993282" y="565213"/>
+                  <a:pt x="979385" y="630539"/>
+                  <a:pt x="954254" y="689956"/>
+                </a:cubicBezTo>
+                <a:lnTo>
+                  <a:pt x="911534" y="768660"/>
+                </a:lnTo>
+                <a:lnTo>
+                  <a:pt x="81748" y="768660"/>
+                </a:lnTo>
+                <a:lnTo>
+                  <a:pt x="39029" y="689956"/>
+                </a:lnTo>
+                <a:cubicBezTo>
+                  <a:pt x="13897" y="630539"/>
+                  <a:pt x="0" y="565213"/>
+                  <a:pt x="0" y="496641"/>
+                </a:cubicBezTo>
+                <a:cubicBezTo>
+                  <a:pt x="0" y="222354"/>
+                  <a:pt x="222354" y="0"/>
+                  <a:pt x="496641" y="0"/>
+                </a:cubicBezTo>
+                <a:close/>
+              </a:path>
+            </a:pathLst>
+          </a:custGeom>
+          <a:solidFill>
+            <a:srgbClr val="89AB6D">
+              <a:alpha val="70000"/>
+            </a:srgbClr>
+          </a:solidFill>
+          <a:ln>
+            <a:noFill/>
+          </a:ln>
+        </p:spPr>
+        <p:style>
+          <a:lnRef idx="2">
+            <a:schemeClr val="accent1">
+              <a:shade val="50000"/>
+            </a:schemeClr>
+          </a:lnRef>
+          <a:fillRef idx="1">
+            <a:schemeClr val="accent1"/>
+          </a:fillRef>
+          <a:effectRef idx="0">
+            <a:schemeClr val="accent1"/>
+          </a:effectRef>
+          <a:fontRef idx="minor">
+            <a:schemeClr val="lt1"/>
+          </a:fontRef>
+        </p:style>
+        <p:txBody>
+          <a:bodyPr wrap="square" rtlCol="0" anchor="ctr">
+            <a:noAutofit/>
+          </a:bodyPr>
+          <a:lstStyle/>
+          <a:p>
+            <a:pPr algn="ctr"/>
+            <a:endParaRPr lang="ko-KR" altLang="en-US"/>
+          </a:p>
+        </p:txBody>
+      </p:sp>
+      <p:sp>
+        <p:nvSpPr>
+          <p:cNvPr id="105" name="자유형 104"/>
+          <p:cNvSpPr/>
+          <p:nvPr/>
+        </p:nvSpPr>
+        <p:spPr>
+          <a:xfrm>
+            <a:off x="4647827" y="1798392"/>
+            <a:ext cx="1983879" cy="1861078"/>
+          </a:xfrm>
+          <a:custGeom>
+            <a:avLst/>
+            <a:gdLst>
+              <a:gd name="connsiteX0" fmla="*/ 916890 w 1833780"/>
+              <a:gd name="connsiteY0" fmla="*/ 0 h 1604782"/>
+              <a:gd name="connsiteX1" fmla="*/ 1833780 w 1833780"/>
+              <a:gd name="connsiteY1" fmla="*/ 916890 h 1604782"/>
+              <a:gd name="connsiteX2" fmla="*/ 1565229 w 1833780"/>
+              <a:gd name="connsiteY2" fmla="*/ 1565229 h 1604782"/>
+              <a:gd name="connsiteX3" fmla="*/ 1517291 w 1833780"/>
+              <a:gd name="connsiteY3" fmla="*/ 1604782 h 1604782"/>
+              <a:gd name="connsiteX4" fmla="*/ 316490 w 1833780"/>
+              <a:gd name="connsiteY4" fmla="*/ 1604782 h 1604782"/>
+              <a:gd name="connsiteX5" fmla="*/ 268551 w 1833780"/>
+              <a:gd name="connsiteY5" fmla="*/ 1565229 h 1604782"/>
+              <a:gd name="connsiteX6" fmla="*/ 0 w 1833780"/>
+              <a:gd name="connsiteY6" fmla="*/ 916890 h 1604782"/>
+              <a:gd name="connsiteX7" fmla="*/ 916890 w 1833780"/>
+              <a:gd name="connsiteY7" fmla="*/ 0 h 1604782"/>
+            </a:gdLst>
+            <a:ahLst/>
+            <a:cxnLst>
+              <a:cxn ang="0">
+                <a:pos x="connsiteX0" y="connsiteY0"/>
+              </a:cxn>
+              <a:cxn ang="0">
+                <a:pos x="connsiteX1" y="connsiteY1"/>
+              </a:cxn>
+              <a:cxn ang="0">
+                <a:pos x="connsiteX2" y="connsiteY2"/>
+              </a:cxn>
+              <a:cxn ang="0">
+                <a:pos x="connsiteX3" y="connsiteY3"/>
+              </a:cxn>
+              <a:cxn ang="0">
+                <a:pos x="connsiteX4" y="connsiteY4"/>
+              </a:cxn>
+              <a:cxn ang="0">
+                <a:pos x="connsiteX5" y="connsiteY5"/>
+              </a:cxn>
+              <a:cxn ang="0">
+                <a:pos x="connsiteX6" y="connsiteY6"/>
+              </a:cxn>
+              <a:cxn ang="0">
+                <a:pos x="connsiteX7" y="connsiteY7"/>
+              </a:cxn>
+            </a:cxnLst>
+            <a:rect l="l" t="t" r="r" b="b"/>
+            <a:pathLst>
+              <a:path w="1833780" h="1604782">
+                <a:moveTo>
+                  <a:pt x="916890" y="0"/>
+                </a:moveTo>
+                <a:cubicBezTo>
+                  <a:pt x="1423274" y="0"/>
+                  <a:pt x="1833780" y="410506"/>
+                  <a:pt x="1833780" y="916890"/>
+                </a:cubicBezTo>
+                <a:cubicBezTo>
+                  <a:pt x="1833780" y="1170082"/>
+                  <a:pt x="1731154" y="1399305"/>
+                  <a:pt x="1565229" y="1565229"/>
+                </a:cubicBezTo>
+                <a:lnTo>
+                  <a:pt x="1517291" y="1604782"/>
+                </a:lnTo>
+                <a:lnTo>
+                  <a:pt x="316490" y="1604782"/>
+                </a:lnTo>
+                <a:lnTo>
+                  <a:pt x="268551" y="1565229"/>
+                </a:lnTo>
+                <a:cubicBezTo>
+                  <a:pt x="102627" y="1399305"/>
+                  <a:pt x="0" y="1170082"/>
+                  <a:pt x="0" y="916890"/>
+                </a:cubicBezTo>
+                <a:cubicBezTo>
+                  <a:pt x="0" y="410506"/>
+                  <a:pt x="410506" y="0"/>
+                  <a:pt x="916890" y="0"/>
+                </a:cubicBezTo>
+                <a:close/>
+              </a:path>
+            </a:pathLst>
+          </a:custGeom>
+          <a:solidFill>
+            <a:srgbClr val="F6D044">
+              <a:alpha val="60000"/>
+            </a:srgbClr>
+          </a:solidFill>
+          <a:ln>
+            <a:noFill/>
+          </a:ln>
+        </p:spPr>
+        <p:style>
+          <a:lnRef idx="2">
+            <a:schemeClr val="accent1">
+              <a:shade val="50000"/>
+            </a:schemeClr>
+          </a:lnRef>
+          <a:fillRef idx="1">
+            <a:schemeClr val="accent1"/>
+          </a:fillRef>
+          <a:effectRef idx="0">
+            <a:schemeClr val="accent1"/>
+          </a:effectRef>
+          <a:fontRef idx="minor">
+            <a:schemeClr val="lt1"/>
+          </a:fontRef>
+        </p:style>
+        <p:txBody>
+          <a:bodyPr wrap="square" rtlCol="0" anchor="ctr">
+            <a:noAutofit/>
+          </a:bodyPr>
+          <a:lstStyle/>
+          <a:p>
+            <a:pPr algn="ctr"/>
+            <a:endParaRPr lang="ko-KR" altLang="en-US"/>
+          </a:p>
+        </p:txBody>
+      </p:sp>
+      <p:sp>
+        <p:nvSpPr>
+          <p:cNvPr id="119" name="자유형 118"/>
+          <p:cNvSpPr/>
+          <p:nvPr/>
+        </p:nvSpPr>
+        <p:spPr>
+          <a:xfrm>
+            <a:off x="2262028" y="4211641"/>
+            <a:ext cx="776038" cy="554037"/>
+          </a:xfrm>
+          <a:custGeom>
+            <a:avLst/>
+            <a:gdLst>
+              <a:gd name="connsiteX0" fmla="*/ 388019 w 776038"/>
+              <a:gd name="connsiteY0" fmla="*/ 0 h 554037"/>
+              <a:gd name="connsiteX1" fmla="*/ 776038 w 776038"/>
+              <a:gd name="connsiteY1" fmla="*/ 388019 h 554037"/>
+              <a:gd name="connsiteX2" fmla="*/ 745546 w 776038"/>
+              <a:gd name="connsiteY2" fmla="*/ 539054 h 554037"/>
+              <a:gd name="connsiteX3" fmla="*/ 737413 w 776038"/>
+              <a:gd name="connsiteY3" fmla="*/ 554037 h 554037"/>
+              <a:gd name="connsiteX4" fmla="*/ 38625 w 776038"/>
+              <a:gd name="connsiteY4" fmla="*/ 554037 h 554037"/>
+              <a:gd name="connsiteX5" fmla="*/ 30493 w 776038"/>
+              <a:gd name="connsiteY5" fmla="*/ 539054 h 554037"/>
+              <a:gd name="connsiteX6" fmla="*/ 0 w 776038"/>
+              <a:gd name="connsiteY6" fmla="*/ 388019 h 554037"/>
+              <a:gd name="connsiteX7" fmla="*/ 388019 w 776038"/>
+              <a:gd name="connsiteY7" fmla="*/ 0 h 554037"/>
+            </a:gdLst>
+            <a:ahLst/>
+            <a:cxnLst>
+              <a:cxn ang="0">
+                <a:pos x="connsiteX0" y="connsiteY0"/>
+              </a:cxn>
+              <a:cxn ang="0">
+                <a:pos x="connsiteX1" y="connsiteY1"/>
+              </a:cxn>
+              <a:cxn ang="0">
+                <a:pos x="connsiteX2" y="connsiteY2"/>
+              </a:cxn>
+              <a:cxn ang="0">
+                <a:pos x="connsiteX3" y="connsiteY3"/>
+              </a:cxn>
+              <a:cxn ang="0">
+                <a:pos x="connsiteX4" y="connsiteY4"/>
+              </a:cxn>
+              <a:cxn ang="0">
+                <a:pos x="connsiteX5" y="connsiteY5"/>
+              </a:cxn>
+              <a:cxn ang="0">
+                <a:pos x="connsiteX6" y="connsiteY6"/>
+              </a:cxn>
+              <a:cxn ang="0">
+                <a:pos x="connsiteX7" y="connsiteY7"/>
+              </a:cxn>
+            </a:cxnLst>
+            <a:rect l="l" t="t" r="r" b="b"/>
+            <a:pathLst>
+              <a:path w="776038" h="554037">
+                <a:moveTo>
+                  <a:pt x="388019" y="0"/>
+                </a:moveTo>
+                <a:cubicBezTo>
+                  <a:pt x="602316" y="0"/>
+                  <a:pt x="776038" y="173722"/>
+                  <a:pt x="776038" y="388019"/>
+                </a:cubicBezTo>
+                <a:cubicBezTo>
+                  <a:pt x="776038" y="441593"/>
+                  <a:pt x="765181" y="492632"/>
+                  <a:pt x="745546" y="539054"/>
+                </a:cubicBezTo>
+                <a:lnTo>
+                  <a:pt x="737413" y="554037"/>
+                </a:lnTo>
+                <a:lnTo>
+                  <a:pt x="38625" y="554037"/>
+                </a:lnTo>
+                <a:lnTo>
+                  <a:pt x="30493" y="539054"/>
+                </a:lnTo>
+                <a:cubicBezTo>
+                  <a:pt x="10858" y="492632"/>
+                  <a:pt x="0" y="441593"/>
+                  <a:pt x="0" y="388019"/>
+                </a:cubicBezTo>
+                <a:cubicBezTo>
+                  <a:pt x="0" y="173722"/>
+                  <a:pt x="173722" y="0"/>
+                  <a:pt x="388019" y="0"/>
+                </a:cubicBezTo>
+                <a:close/>
+              </a:path>
+            </a:pathLst>
+          </a:custGeom>
+          <a:solidFill>
+            <a:srgbClr val="ED6051">
+              <a:alpha val="60000"/>
+            </a:srgbClr>
+          </a:solidFill>
+          <a:ln>
+            <a:noFill/>
+          </a:ln>
+        </p:spPr>
+        <p:style>
+          <a:lnRef idx="2">
+            <a:schemeClr val="accent1">
+              <a:shade val="50000"/>
+            </a:schemeClr>
+          </a:lnRef>
+          <a:fillRef idx="1">
+            <a:schemeClr val="accent1"/>
+          </a:fillRef>
+          <a:effectRef idx="0">
+            <a:schemeClr val="accent1"/>
+          </a:effectRef>
+          <a:fontRef idx="minor">
+            <a:schemeClr val="lt1"/>
+          </a:fontRef>
+        </p:style>
+        <p:txBody>
+          <a:bodyPr wrap="square" rtlCol="0" anchor="ctr">
+            <a:noAutofit/>
+          </a:bodyPr>
+          <a:lstStyle/>
+          <a:p>
+            <a:pPr algn="ctr"/>
+            <a:endParaRPr lang="ko-KR" altLang="en-US"/>
+          </a:p>
+        </p:txBody>
+      </p:sp>
+      <p:sp>
+        <p:nvSpPr>
+          <p:cNvPr id="121" name="TextBox 120"/>
+          <p:cNvSpPr txBox="1"/>
+          <p:nvPr/>
+        </p:nvSpPr>
+        <p:spPr>
+          <a:xfrm>
+            <a:off x="1359561" y="4775333"/>
+            <a:ext cx="470000" cy="338554"/>
+          </a:xfrm>
+          <a:prstGeom prst="rect">
+            <a:avLst/>
+          </a:prstGeom>
+          <a:noFill/>
+          <a:scene3d>
+            <a:camera prst="obliqueTopLeft"/>
+            <a:lightRig rig="threePt" dir="t"/>
+          </a:scene3d>
+        </p:spPr>
+        <p:txBody>
+          <a:bodyPr wrap="none" rtlCol="0">
+            <a:spAutoFit/>
+          </a:bodyPr>
+          <a:lstStyle/>
+          <a:p>
+            <a:r>
+              <a:rPr lang="en-US" altLang="ko-KR" sz="1600" dirty="0">
+                <a:solidFill>
+                  <a:schemeClr val="bg2">
+                    <a:lumMod val="50000"/>
+                  </a:schemeClr>
+                </a:solidFill>
+                <a:latin typeface="210 콤퓨타세탁 L" panose="02020603020101020101" pitchFamily="18" charset="-127"/>
+                <a:ea typeface="210 콤퓨타세탁 L" panose="02020603020101020101" pitchFamily="18" charset="-127"/>
+              </a:rPr>
+              <a:t>3</a:t>
+            </a:r>
+            <a:r>
+              <a:rPr lang="en-US" altLang="ko-KR" sz="1100" dirty="0">
+                <a:solidFill>
+                  <a:schemeClr val="bg2">
+                    <a:lumMod val="50000"/>
+                  </a:schemeClr>
+                </a:solidFill>
+                <a:latin typeface="210 콤퓨타세탁 L" panose="02020603020101020101" pitchFamily="18" charset="-127"/>
+                <a:ea typeface="210 콤퓨타세탁 L" panose="02020603020101020101" pitchFamily="18" charset="-127"/>
+              </a:rPr>
+              <a:t>%</a:t>
+            </a:r>
+            <a:endParaRPr lang="ko-KR" altLang="en-US" sz="1100" dirty="0">
+              <a:solidFill>
+                <a:schemeClr val="bg2">
+                  <a:lumMod val="50000"/>
+                </a:schemeClr>
+              </a:solidFill>
+              <a:latin typeface="210 콤퓨타세탁 L" panose="02020603020101020101" pitchFamily="18" charset="-127"/>
+              <a:ea typeface="210 콤퓨타세탁 L" panose="02020603020101020101" pitchFamily="18" charset="-127"/>
+            </a:endParaRPr>
+          </a:p>
+        </p:txBody>
+      </p:sp>
+      <p:sp>
+        <p:nvSpPr>
+          <p:cNvPr id="122" name="TextBox 121"/>
+          <p:cNvSpPr txBox="1"/>
+          <p:nvPr/>
+        </p:nvSpPr>
+        <p:spPr>
+          <a:xfrm>
+            <a:off x="1792089" y="4775333"/>
+            <a:ext cx="470000" cy="338554"/>
+          </a:xfrm>
+          <a:prstGeom prst="rect">
+            <a:avLst/>
+          </a:prstGeom>
+          <a:noFill/>
+          <a:scene3d>
+            <a:camera prst="obliqueTopLeft"/>
+            <a:lightRig rig="threePt" dir="t"/>
+          </a:scene3d>
+        </p:spPr>
+        <p:txBody>
+          <a:bodyPr wrap="none" rtlCol="0">
+            <a:spAutoFit/>
+          </a:bodyPr>
+          <a:lstStyle/>
+          <a:p>
+            <a:r>
+              <a:rPr lang="en-US" altLang="ko-KR" sz="1600" dirty="0">
+                <a:solidFill>
+                  <a:schemeClr val="bg2">
+                    <a:lumMod val="50000"/>
+                  </a:schemeClr>
+                </a:solidFill>
+                <a:latin typeface="210 콤퓨타세탁 L" panose="02020603020101020101" pitchFamily="18" charset="-127"/>
+                <a:ea typeface="210 콤퓨타세탁 L" panose="02020603020101020101" pitchFamily="18" charset="-127"/>
+              </a:rPr>
+              <a:t>7</a:t>
+            </a:r>
+            <a:r>
+              <a:rPr lang="en-US" altLang="ko-KR" sz="1100" dirty="0">
+                <a:solidFill>
+                  <a:schemeClr val="bg2">
+                    <a:lumMod val="50000"/>
+                  </a:schemeClr>
+                </a:solidFill>
+                <a:latin typeface="210 콤퓨타세탁 L" panose="02020603020101020101" pitchFamily="18" charset="-127"/>
+                <a:ea typeface="210 콤퓨타세탁 L" panose="02020603020101020101" pitchFamily="18" charset="-127"/>
+              </a:rPr>
+              <a:t>%</a:t>
+            </a:r>
+            <a:endParaRPr lang="ko-KR" altLang="en-US" sz="1100" dirty="0">
+              <a:solidFill>
+                <a:schemeClr val="bg2">
+                  <a:lumMod val="50000"/>
+                </a:schemeClr>
+              </a:solidFill>
+              <a:latin typeface="210 콤퓨타세탁 L" panose="02020603020101020101" pitchFamily="18" charset="-127"/>
+              <a:ea typeface="210 콤퓨타세탁 L" panose="02020603020101020101" pitchFamily="18" charset="-127"/>
+            </a:endParaRPr>
+          </a:p>
+        </p:txBody>
+      </p:sp>
+      <p:sp>
+        <p:nvSpPr>
+          <p:cNvPr id="123" name="TextBox 122"/>
+          <p:cNvSpPr txBox="1"/>
+          <p:nvPr/>
+        </p:nvSpPr>
+        <p:spPr>
+          <a:xfrm>
+            <a:off x="2423041" y="4775333"/>
+            <a:ext cx="554960" cy="338554"/>
+          </a:xfrm>
+          <a:prstGeom prst="rect">
+            <a:avLst/>
+          </a:prstGeom>
+          <a:noFill/>
+          <a:scene3d>
+            <a:camera prst="obliqueTopLeft"/>
+            <a:lightRig rig="threePt" dir="t"/>
+          </a:scene3d>
+        </p:spPr>
+        <p:txBody>
+          <a:bodyPr wrap="none" rtlCol="0">
+            <a:spAutoFit/>
+          </a:bodyPr>
+          <a:lstStyle/>
+          <a:p>
+            <a:r>
+              <a:rPr lang="en-US" altLang="ko-KR" sz="1600" dirty="0">
+                <a:solidFill>
+                  <a:schemeClr val="bg2">
+                    <a:lumMod val="50000"/>
+                  </a:schemeClr>
+                </a:solidFill>
+                <a:latin typeface="210 콤퓨타세탁 L" panose="02020603020101020101" pitchFamily="18" charset="-127"/>
+                <a:ea typeface="210 콤퓨타세탁 L" panose="02020603020101020101" pitchFamily="18" charset="-127"/>
+              </a:rPr>
+              <a:t>15</a:t>
+            </a:r>
+            <a:r>
+              <a:rPr lang="en-US" altLang="ko-KR" sz="1100" dirty="0">
+                <a:solidFill>
+                  <a:schemeClr val="bg2">
+                    <a:lumMod val="50000"/>
+                  </a:schemeClr>
+                </a:solidFill>
+                <a:latin typeface="210 콤퓨타세탁 L" panose="02020603020101020101" pitchFamily="18" charset="-127"/>
+                <a:ea typeface="210 콤퓨타세탁 L" panose="02020603020101020101" pitchFamily="18" charset="-127"/>
+              </a:rPr>
+              <a:t>%</a:t>
+            </a:r>
+            <a:endParaRPr lang="ko-KR" altLang="en-US" sz="1100" dirty="0">
+              <a:solidFill>
+                <a:schemeClr val="bg2">
+                  <a:lumMod val="50000"/>
+                </a:schemeClr>
+              </a:solidFill>
+              <a:latin typeface="210 콤퓨타세탁 L" panose="02020603020101020101" pitchFamily="18" charset="-127"/>
+              <a:ea typeface="210 콤퓨타세탁 L" panose="02020603020101020101" pitchFamily="18" charset="-127"/>
+            </a:endParaRPr>
+          </a:p>
+        </p:txBody>
+      </p:sp>
+      <p:sp>
+        <p:nvSpPr>
+          <p:cNvPr id="124" name="TextBox 123"/>
+          <p:cNvSpPr txBox="1"/>
+          <p:nvPr/>
+        </p:nvSpPr>
+        <p:spPr>
+          <a:xfrm>
+            <a:off x="3325205" y="4771805"/>
+            <a:ext cx="585417" cy="338554"/>
+          </a:xfrm>
+          <a:prstGeom prst="rect">
+            <a:avLst/>
+          </a:prstGeom>
+          <a:noFill/>
+          <a:scene3d>
+            <a:camera prst="obliqueTopLeft"/>
+            <a:lightRig rig="threePt" dir="t"/>
+          </a:scene3d>
+        </p:spPr>
+        <p:txBody>
+          <a:bodyPr wrap="none" rtlCol="0">
+            <a:spAutoFit/>
+          </a:bodyPr>
+          <a:lstStyle/>
+          <a:p>
+            <a:r>
+              <a:rPr lang="en-US" altLang="ko-KR" sz="1600" dirty="0">
+                <a:solidFill>
+                  <a:schemeClr val="bg2">
+                    <a:lumMod val="50000"/>
+                  </a:schemeClr>
+                </a:solidFill>
+                <a:latin typeface="210 콤퓨타세탁 L" panose="02020603020101020101" pitchFamily="18" charset="-127"/>
+                <a:ea typeface="210 콤퓨타세탁 L" panose="02020603020101020101" pitchFamily="18" charset="-127"/>
+              </a:rPr>
+              <a:t>30</a:t>
+            </a:r>
+            <a:r>
+              <a:rPr lang="en-US" altLang="ko-KR" sz="1100" dirty="0">
+                <a:solidFill>
+                  <a:schemeClr val="bg2">
+                    <a:lumMod val="50000"/>
+                  </a:schemeClr>
+                </a:solidFill>
+                <a:latin typeface="210 콤퓨타세탁 L" panose="02020603020101020101" pitchFamily="18" charset="-127"/>
+                <a:ea typeface="210 콤퓨타세탁 L" panose="02020603020101020101" pitchFamily="18" charset="-127"/>
+              </a:rPr>
+              <a:t>%</a:t>
+            </a:r>
+            <a:endParaRPr lang="ko-KR" altLang="en-US" sz="1100" dirty="0">
+              <a:solidFill>
+                <a:schemeClr val="bg2">
+                  <a:lumMod val="50000"/>
+                </a:schemeClr>
+              </a:solidFill>
+              <a:latin typeface="210 콤퓨타세탁 L" panose="02020603020101020101" pitchFamily="18" charset="-127"/>
+              <a:ea typeface="210 콤퓨타세탁 L" panose="02020603020101020101" pitchFamily="18" charset="-127"/>
+            </a:endParaRPr>
+          </a:p>
+        </p:txBody>
+      </p:sp>
+      <p:sp>
+        <p:nvSpPr>
+          <p:cNvPr id="125" name="TextBox 124"/>
+          <p:cNvSpPr txBox="1"/>
+          <p:nvPr/>
+        </p:nvSpPr>
+        <p:spPr>
+          <a:xfrm>
+            <a:off x="4347979" y="4771805"/>
+            <a:ext cx="580608" cy="338554"/>
+          </a:xfrm>
+          <a:prstGeom prst="rect">
+            <a:avLst/>
+          </a:prstGeom>
+          <a:noFill/>
+          <a:scene3d>
+            <a:camera prst="obliqueTopLeft"/>
+            <a:lightRig rig="threePt" dir="t"/>
+          </a:scene3d>
+        </p:spPr>
+        <p:txBody>
+          <a:bodyPr wrap="none" rtlCol="0">
+            <a:spAutoFit/>
+          </a:bodyPr>
+          <a:lstStyle/>
+          <a:p>
+            <a:r>
+              <a:rPr lang="en-US" altLang="ko-KR" sz="1600" dirty="0">
+                <a:solidFill>
+                  <a:schemeClr val="bg2">
+                    <a:lumMod val="50000"/>
+                  </a:schemeClr>
+                </a:solidFill>
+                <a:latin typeface="210 콤퓨타세탁 L" panose="02020603020101020101" pitchFamily="18" charset="-127"/>
+                <a:ea typeface="210 콤퓨타세탁 L" panose="02020603020101020101" pitchFamily="18" charset="-127"/>
+              </a:rPr>
+              <a:t>60</a:t>
+            </a:r>
+            <a:r>
+              <a:rPr lang="en-US" altLang="ko-KR" sz="1100" dirty="0">
+                <a:solidFill>
+                  <a:schemeClr val="bg2">
+                    <a:lumMod val="50000"/>
+                  </a:schemeClr>
+                </a:solidFill>
+                <a:latin typeface="210 콤퓨타세탁 L" panose="02020603020101020101" pitchFamily="18" charset="-127"/>
+                <a:ea typeface="210 콤퓨타세탁 L" panose="02020603020101020101" pitchFamily="18" charset="-127"/>
+              </a:rPr>
+              <a:t>%</a:t>
+            </a:r>
+            <a:endParaRPr lang="ko-KR" altLang="en-US" sz="1100" dirty="0">
+              <a:solidFill>
+                <a:schemeClr val="bg2">
+                  <a:lumMod val="50000"/>
+                </a:schemeClr>
+              </a:solidFill>
+              <a:latin typeface="210 콤퓨타세탁 L" panose="02020603020101020101" pitchFamily="18" charset="-127"/>
+              <a:ea typeface="210 콤퓨타세탁 L" panose="02020603020101020101" pitchFamily="18" charset="-127"/>
+            </a:endParaRPr>
+          </a:p>
+        </p:txBody>
+      </p:sp>
+      <p:sp>
+        <p:nvSpPr>
+          <p:cNvPr id="127" name="TextBox 126"/>
+          <p:cNvSpPr txBox="1"/>
+          <p:nvPr/>
+        </p:nvSpPr>
+        <p:spPr>
+          <a:xfrm>
+            <a:off x="2095752" y="2168426"/>
+            <a:ext cx="2196435" cy="338554"/>
+          </a:xfrm>
+          <a:prstGeom prst="rect">
+            <a:avLst/>
+          </a:prstGeom>
+          <a:noFill/>
+          <a:scene3d>
+            <a:camera prst="obliqueTopLeft"/>
+            <a:lightRig rig="threePt" dir="t"/>
+          </a:scene3d>
+        </p:spPr>
+        <p:txBody>
+          <a:bodyPr wrap="none" rtlCol="0">
+            <a:spAutoFit/>
+          </a:bodyPr>
+          <a:lstStyle/>
+          <a:p>
+            <a:r>
+              <a:rPr lang="ko-KR" altLang="en-US" sz="1600" dirty="0">
+                <a:solidFill>
+                  <a:schemeClr val="bg2">
+                    <a:lumMod val="50000"/>
+                  </a:schemeClr>
+                </a:solidFill>
+                <a:latin typeface="210 콤퓨타세탁 L" panose="02020603020101020101" pitchFamily="18" charset="-127"/>
+                <a:ea typeface="210 콤퓨타세탁 L" panose="02020603020101020101" pitchFamily="18" charset="-127"/>
+              </a:rPr>
+              <a:t>이 표의 이름은 이거에요</a:t>
+            </a:r>
+          </a:p>
+        </p:txBody>
+      </p:sp>
+      <p:sp>
+        <p:nvSpPr>
+          <p:cNvPr id="128" name="TextBox 127"/>
+          <p:cNvSpPr txBox="1"/>
+          <p:nvPr/>
+        </p:nvSpPr>
+        <p:spPr>
+          <a:xfrm>
+            <a:off x="7877838" y="2168426"/>
+            <a:ext cx="2196435" cy="338554"/>
+          </a:xfrm>
+          <a:prstGeom prst="rect">
+            <a:avLst/>
+          </a:prstGeom>
+          <a:noFill/>
+          <a:scene3d>
+            <a:camera prst="obliqueTopLeft"/>
+            <a:lightRig rig="threePt" dir="t"/>
+          </a:scene3d>
+        </p:spPr>
+        <p:txBody>
+          <a:bodyPr wrap="none" rtlCol="0">
+            <a:spAutoFit/>
+          </a:bodyPr>
+          <a:lstStyle/>
+          <a:p>
+            <a:r>
+              <a:rPr lang="ko-KR" altLang="en-US" sz="1600" dirty="0">
+                <a:solidFill>
+                  <a:schemeClr val="bg2">
+                    <a:lumMod val="50000"/>
+                  </a:schemeClr>
+                </a:solidFill>
+                <a:latin typeface="210 콤퓨타세탁 L" panose="02020603020101020101" pitchFamily="18" charset="-127"/>
+                <a:ea typeface="210 콤퓨타세탁 L" panose="02020603020101020101" pitchFamily="18" charset="-127"/>
+              </a:rPr>
+              <a:t>이 표의 이름은 이거에요</a:t>
+            </a:r>
+          </a:p>
+        </p:txBody>
+      </p:sp>
+      <p:sp>
+        <p:nvSpPr>
+          <p:cNvPr id="19" name="이등변 삼각형 18"/>
+          <p:cNvSpPr/>
+          <p:nvPr/>
+        </p:nvSpPr>
+        <p:spPr>
+          <a:xfrm>
+            <a:off x="6706139" y="4426215"/>
+            <a:ext cx="993930" cy="402570"/>
+          </a:xfrm>
+          <a:prstGeom prst="triangle">
+            <a:avLst/>
+          </a:prstGeom>
+          <a:solidFill>
+            <a:srgbClr val="6399B1">
+              <a:alpha val="60000"/>
+            </a:srgbClr>
+          </a:solidFill>
+          <a:ln>
+            <a:noFill/>
+          </a:ln>
+        </p:spPr>
+        <p:style>
+          <a:lnRef idx="2">
+            <a:schemeClr val="accent1">
+              <a:shade val="50000"/>
+            </a:schemeClr>
+          </a:lnRef>
+          <a:fillRef idx="1">
+            <a:schemeClr val="accent1"/>
+          </a:fillRef>
+          <a:effectRef idx="0">
+            <a:schemeClr val="accent1"/>
+          </a:effectRef>
+          <a:fontRef idx="minor">
+            <a:schemeClr val="lt1"/>
+          </a:fontRef>
+        </p:style>
+        <p:txBody>
+          <a:bodyPr wrap="square" rtlCol="0" anchor="ctr">
+            <a:noAutofit/>
+          </a:bodyPr>
+          <a:lstStyle/>
+          <a:p>
+            <a:pPr algn="ctr"/>
+            <a:endParaRPr lang="ko-KR" altLang="en-US"/>
+          </a:p>
+        </p:txBody>
+      </p:sp>
+      <p:sp>
+        <p:nvSpPr>
+          <p:cNvPr id="133" name="이등변 삼각형 132"/>
+          <p:cNvSpPr/>
+          <p:nvPr/>
+        </p:nvSpPr>
+        <p:spPr>
+          <a:xfrm>
+            <a:off x="4986470" y="1821454"/>
+            <a:ext cx="1314417" cy="1819421"/>
+          </a:xfrm>
+          <a:prstGeom prst="triangle">
+            <a:avLst/>
+          </a:prstGeom>
+          <a:solidFill>
+            <a:srgbClr val="ED6051">
+              <a:alpha val="60000"/>
+            </a:srgbClr>
+          </a:solidFill>
+          <a:ln>
+            <a:noFill/>
+          </a:ln>
+        </p:spPr>
+        <p:style>
+          <a:lnRef idx="2">
+            <a:schemeClr val="accent1">
+              <a:shade val="50000"/>
+            </a:schemeClr>
+          </a:lnRef>
+          <a:fillRef idx="1">
+            <a:schemeClr val="accent1"/>
+          </a:fillRef>
+          <a:effectRef idx="0">
+            <a:schemeClr val="accent1"/>
+          </a:effectRef>
+          <a:fontRef idx="minor">
+            <a:schemeClr val="lt1"/>
+          </a:fontRef>
+        </p:style>
+        <p:txBody>
+          <a:bodyPr wrap="square" rtlCol="0" anchor="ctr">
+            <a:noAutofit/>
+          </a:bodyPr>
+          <a:lstStyle/>
+          <a:p>
+            <a:pPr algn="ctr"/>
+            <a:endParaRPr lang="ko-KR" altLang="en-US"/>
+          </a:p>
+        </p:txBody>
+      </p:sp>
+      <p:sp>
+        <p:nvSpPr>
+          <p:cNvPr id="134" name="이등변 삼각형 133"/>
+          <p:cNvSpPr/>
+          <p:nvPr/>
+        </p:nvSpPr>
+        <p:spPr>
+          <a:xfrm>
+            <a:off x="8229033" y="3758976"/>
+            <a:ext cx="993930" cy="1067895"/>
+          </a:xfrm>
+          <a:prstGeom prst="triangle">
+            <a:avLst/>
+          </a:prstGeom>
+          <a:solidFill>
+            <a:srgbClr val="89AB6D">
+              <a:alpha val="70000"/>
+            </a:srgbClr>
+          </a:solidFill>
+          <a:ln>
+            <a:noFill/>
+          </a:ln>
+        </p:spPr>
+        <p:style>
+          <a:lnRef idx="2">
+            <a:schemeClr val="accent1">
+              <a:shade val="50000"/>
+            </a:schemeClr>
+          </a:lnRef>
+          <a:fillRef idx="1">
+            <a:schemeClr val="accent1"/>
+          </a:fillRef>
+          <a:effectRef idx="0">
+            <a:schemeClr val="accent1"/>
+          </a:effectRef>
+          <a:fontRef idx="minor">
+            <a:schemeClr val="lt1"/>
+          </a:fontRef>
+        </p:style>
+        <p:txBody>
+          <a:bodyPr wrap="square" rtlCol="0" anchor="ctr">
+            <a:noAutofit/>
+          </a:bodyPr>
+          <a:lstStyle/>
+          <a:p>
+            <a:pPr algn="ctr"/>
+            <a:endParaRPr lang="ko-KR" altLang="en-US"/>
+          </a:p>
+        </p:txBody>
+      </p:sp>
+      <p:sp>
+        <p:nvSpPr>
+          <p:cNvPr id="135" name="이등변 삼각형 134"/>
+          <p:cNvSpPr/>
+          <p:nvPr/>
+        </p:nvSpPr>
+        <p:spPr>
+          <a:xfrm>
+            <a:off x="7561680" y="3391346"/>
+            <a:ext cx="993930" cy="1482441"/>
+          </a:xfrm>
+          <a:prstGeom prst="triangle">
+            <a:avLst>
+              <a:gd name="adj" fmla="val 0"/>
+            </a:avLst>
+          </a:prstGeom>
+          <a:solidFill>
+            <a:srgbClr val="A089AD">
+              <a:alpha val="61000"/>
+            </a:srgbClr>
+          </a:solidFill>
+          <a:ln>
+            <a:noFill/>
+          </a:ln>
+        </p:spPr>
+        <p:style>
+          <a:lnRef idx="2">
+            <a:schemeClr val="accent1">
+              <a:shade val="50000"/>
+            </a:schemeClr>
+          </a:lnRef>
+          <a:fillRef idx="1">
+            <a:schemeClr val="accent1"/>
+          </a:fillRef>
+          <a:effectRef idx="0">
+            <a:schemeClr val="accent1"/>
+          </a:effectRef>
+          <a:fontRef idx="minor">
+            <a:schemeClr val="lt1"/>
+          </a:fontRef>
+        </p:style>
+        <p:txBody>
+          <a:bodyPr wrap="square" rtlCol="0" anchor="ctr">
+            <a:noAutofit/>
+          </a:bodyPr>
+          <a:lstStyle/>
+          <a:p>
+            <a:pPr algn="ctr"/>
+            <a:endParaRPr lang="ko-KR" altLang="en-US"/>
+          </a:p>
+        </p:txBody>
+      </p:sp>
+      <p:sp>
+        <p:nvSpPr>
+          <p:cNvPr id="136" name="이등변 삼각형 135"/>
+          <p:cNvSpPr/>
+          <p:nvPr/>
+        </p:nvSpPr>
+        <p:spPr>
+          <a:xfrm>
+            <a:off x="9751927" y="4211641"/>
+            <a:ext cx="993930" cy="613318"/>
+          </a:xfrm>
+          <a:prstGeom prst="triangle">
+            <a:avLst/>
+          </a:prstGeom>
+          <a:solidFill>
+            <a:srgbClr val="F6D044">
+              <a:alpha val="60000"/>
+            </a:srgbClr>
+          </a:solidFill>
+          <a:ln>
+            <a:noFill/>
+          </a:ln>
+        </p:spPr>
+        <p:style>
+          <a:lnRef idx="2">
+            <a:schemeClr val="accent1">
+              <a:shade val="50000"/>
+            </a:schemeClr>
+          </a:lnRef>
+          <a:fillRef idx="1">
+            <a:schemeClr val="accent1"/>
+          </a:fillRef>
+          <a:effectRef idx="0">
+            <a:schemeClr val="accent1"/>
+          </a:effectRef>
+          <a:fontRef idx="minor">
+            <a:schemeClr val="lt1"/>
+          </a:fontRef>
+        </p:style>
+        <p:txBody>
+          <a:bodyPr wrap="square" rtlCol="0" anchor="ctr">
+            <a:noAutofit/>
+          </a:bodyPr>
+          <a:lstStyle/>
+          <a:p>
+            <a:pPr algn="ctr"/>
+            <a:endParaRPr lang="ko-KR" altLang="en-US"/>
+          </a:p>
+        </p:txBody>
+      </p:sp>
+      <p:cxnSp>
+        <p:nvCxnSpPr>
+          <p:cNvPr id="18" name="직선 연결선 17"/>
+          <p:cNvCxnSpPr/>
+          <p:nvPr/>
+        </p:nvCxnSpPr>
+        <p:spPr>
+          <a:xfrm>
+            <a:off x="6480279" y="4826872"/>
+            <a:ext cx="4549824" cy="0"/>
+          </a:xfrm>
+          <a:prstGeom prst="line">
+            <a:avLst/>
+          </a:prstGeom>
+          <a:ln w="25400" cap="rnd">
+            <a:solidFill>
+              <a:schemeClr val="bg2">
+                <a:lumMod val="50000"/>
+              </a:schemeClr>
+            </a:solidFill>
+          </a:ln>
+        </p:spPr>
+        <p:style>
+          <a:lnRef idx="1">
+            <a:schemeClr val="accent1"/>
+          </a:lnRef>
+          <a:fillRef idx="0">
+            <a:schemeClr val="accent1"/>
+          </a:fillRef>
+          <a:effectRef idx="0">
+            <a:schemeClr val="accent1"/>
+          </a:effectRef>
+          <a:fontRef idx="minor">
+            <a:schemeClr val="tx1"/>
+          </a:fontRef>
+        </p:style>
+      </p:cxnSp>
+      <p:sp>
+        <p:nvSpPr>
+          <p:cNvPr id="137" name="TextBox 136"/>
+          <p:cNvSpPr txBox="1"/>
+          <p:nvPr/>
+        </p:nvSpPr>
+        <p:spPr>
+          <a:xfrm>
+            <a:off x="7004973" y="4930574"/>
+            <a:ext cx="396262" cy="276999"/>
+          </a:xfrm>
+          <a:prstGeom prst="rect">
+            <a:avLst/>
+          </a:prstGeom>
+          <a:noFill/>
+          <a:scene3d>
+            <a:camera prst="obliqueTopLeft"/>
+            <a:lightRig rig="threePt" dir="t"/>
+          </a:scene3d>
+        </p:spPr>
+        <p:txBody>
+          <a:bodyPr wrap="none" rtlCol="0">
+            <a:spAutoFit/>
+          </a:bodyPr>
+          <a:lstStyle/>
+          <a:p>
+            <a:r>
+              <a:rPr lang="en-US" altLang="ko-KR" sz="1200" dirty="0">
+                <a:solidFill>
+                  <a:schemeClr val="bg2">
+                    <a:lumMod val="50000"/>
+                  </a:schemeClr>
+                </a:solidFill>
+                <a:latin typeface="210 콤퓨타세탁 L" panose="02020603020101020101" pitchFamily="18" charset="-127"/>
+                <a:ea typeface="210 콤퓨타세탁 L" panose="02020603020101020101" pitchFamily="18" charset="-127"/>
+              </a:rPr>
+              <a:t>1</a:t>
+            </a:r>
+            <a:r>
+              <a:rPr lang="ko-KR" altLang="en-US" sz="1200" dirty="0">
+                <a:solidFill>
+                  <a:schemeClr val="bg2">
+                    <a:lumMod val="50000"/>
+                  </a:schemeClr>
+                </a:solidFill>
+                <a:latin typeface="210 콤퓨타세탁 L" panose="02020603020101020101" pitchFamily="18" charset="-127"/>
+                <a:ea typeface="210 콤퓨타세탁 L" panose="02020603020101020101" pitchFamily="18" charset="-127"/>
+              </a:rPr>
+              <a:t>번</a:t>
+            </a:r>
+          </a:p>
+        </p:txBody>
+      </p:sp>
+      <p:sp>
+        <p:nvSpPr>
+          <p:cNvPr id="138" name="TextBox 137"/>
+          <p:cNvSpPr txBox="1"/>
+          <p:nvPr/>
+        </p:nvSpPr>
+        <p:spPr>
+          <a:xfrm>
+            <a:off x="7760992" y="4930574"/>
+            <a:ext cx="418704" cy="276999"/>
+          </a:xfrm>
+          <a:prstGeom prst="rect">
+            <a:avLst/>
+          </a:prstGeom>
+          <a:noFill/>
+          <a:scene3d>
+            <a:camera prst="obliqueTopLeft"/>
+            <a:lightRig rig="threePt" dir="t"/>
+          </a:scene3d>
+        </p:spPr>
+        <p:txBody>
+          <a:bodyPr wrap="none" rtlCol="0">
+            <a:spAutoFit/>
+          </a:bodyPr>
+          <a:lstStyle/>
+          <a:p>
+            <a:r>
+              <a:rPr lang="en-US" altLang="ko-KR" sz="1200" dirty="0">
+                <a:solidFill>
+                  <a:schemeClr val="bg2">
+                    <a:lumMod val="50000"/>
+                  </a:schemeClr>
+                </a:solidFill>
+                <a:latin typeface="210 콤퓨타세탁 L" panose="02020603020101020101" pitchFamily="18" charset="-127"/>
+                <a:ea typeface="210 콤퓨타세탁 L" panose="02020603020101020101" pitchFamily="18" charset="-127"/>
+              </a:rPr>
+              <a:t>2</a:t>
+            </a:r>
+            <a:r>
+              <a:rPr lang="ko-KR" altLang="en-US" sz="1200" dirty="0">
+                <a:solidFill>
+                  <a:schemeClr val="bg2">
+                    <a:lumMod val="50000"/>
+                  </a:schemeClr>
+                </a:solidFill>
+                <a:latin typeface="210 콤퓨타세탁 L" panose="02020603020101020101" pitchFamily="18" charset="-127"/>
+                <a:ea typeface="210 콤퓨타세탁 L" panose="02020603020101020101" pitchFamily="18" charset="-127"/>
+              </a:rPr>
+              <a:t>번</a:t>
+            </a:r>
+          </a:p>
+        </p:txBody>
+      </p:sp>
+      <p:sp>
+        <p:nvSpPr>
+          <p:cNvPr id="139" name="TextBox 138"/>
+          <p:cNvSpPr txBox="1"/>
+          <p:nvPr/>
+        </p:nvSpPr>
+        <p:spPr>
+          <a:xfrm>
+            <a:off x="8539453" y="4930574"/>
+            <a:ext cx="421910" cy="276999"/>
+          </a:xfrm>
+          <a:prstGeom prst="rect">
+            <a:avLst/>
+          </a:prstGeom>
+          <a:noFill/>
+          <a:scene3d>
+            <a:camera prst="obliqueTopLeft"/>
+            <a:lightRig rig="threePt" dir="t"/>
+          </a:scene3d>
+        </p:spPr>
+        <p:txBody>
+          <a:bodyPr wrap="none" rtlCol="0">
+            <a:spAutoFit/>
+          </a:bodyPr>
+          <a:lstStyle/>
+          <a:p>
+            <a:r>
+              <a:rPr lang="en-US" altLang="ko-KR" sz="1200" dirty="0">
+                <a:solidFill>
+                  <a:schemeClr val="bg2">
+                    <a:lumMod val="50000"/>
+                  </a:schemeClr>
+                </a:solidFill>
+                <a:latin typeface="210 콤퓨타세탁 L" panose="02020603020101020101" pitchFamily="18" charset="-127"/>
+                <a:ea typeface="210 콤퓨타세탁 L" panose="02020603020101020101" pitchFamily="18" charset="-127"/>
+              </a:rPr>
+              <a:t>3</a:t>
+            </a:r>
+            <a:r>
+              <a:rPr lang="ko-KR" altLang="en-US" sz="1200" dirty="0">
+                <a:solidFill>
+                  <a:schemeClr val="bg2">
+                    <a:lumMod val="50000"/>
+                  </a:schemeClr>
+                </a:solidFill>
+                <a:latin typeface="210 콤퓨타세탁 L" panose="02020603020101020101" pitchFamily="18" charset="-127"/>
+                <a:ea typeface="210 콤퓨타세탁 L" panose="02020603020101020101" pitchFamily="18" charset="-127"/>
+              </a:rPr>
+              <a:t>번</a:t>
+            </a:r>
+          </a:p>
+        </p:txBody>
+      </p:sp>
+      <p:sp>
+        <p:nvSpPr>
+          <p:cNvPr id="140" name="TextBox 139"/>
+          <p:cNvSpPr txBox="1"/>
+          <p:nvPr/>
+        </p:nvSpPr>
+        <p:spPr>
+          <a:xfrm>
+            <a:off x="9321120" y="4930574"/>
+            <a:ext cx="418704" cy="276999"/>
+          </a:xfrm>
+          <a:prstGeom prst="rect">
+            <a:avLst/>
+          </a:prstGeom>
+          <a:noFill/>
+          <a:scene3d>
+            <a:camera prst="obliqueTopLeft"/>
+            <a:lightRig rig="threePt" dir="t"/>
+          </a:scene3d>
+        </p:spPr>
+        <p:txBody>
+          <a:bodyPr wrap="none" rtlCol="0">
+            <a:spAutoFit/>
+          </a:bodyPr>
+          <a:lstStyle/>
+          <a:p>
+            <a:r>
+              <a:rPr lang="en-US" altLang="ko-KR" sz="1200" dirty="0">
+                <a:solidFill>
+                  <a:schemeClr val="bg2">
+                    <a:lumMod val="50000"/>
+                  </a:schemeClr>
+                </a:solidFill>
+                <a:latin typeface="210 콤퓨타세탁 L" panose="02020603020101020101" pitchFamily="18" charset="-127"/>
+                <a:ea typeface="210 콤퓨타세탁 L" panose="02020603020101020101" pitchFamily="18" charset="-127"/>
+              </a:rPr>
+              <a:t>4</a:t>
+            </a:r>
+            <a:r>
+              <a:rPr lang="ko-KR" altLang="en-US" sz="1200" dirty="0">
+                <a:solidFill>
+                  <a:schemeClr val="bg2">
+                    <a:lumMod val="50000"/>
+                  </a:schemeClr>
+                </a:solidFill>
+                <a:latin typeface="210 콤퓨타세탁 L" panose="02020603020101020101" pitchFamily="18" charset="-127"/>
+                <a:ea typeface="210 콤퓨타세탁 L" panose="02020603020101020101" pitchFamily="18" charset="-127"/>
+              </a:rPr>
+              <a:t>번</a:t>
+            </a:r>
+          </a:p>
+        </p:txBody>
+      </p:sp>
+      <p:sp>
+        <p:nvSpPr>
+          <p:cNvPr id="141" name="TextBox 140"/>
+          <p:cNvSpPr txBox="1"/>
+          <p:nvPr/>
+        </p:nvSpPr>
+        <p:spPr>
+          <a:xfrm>
+            <a:off x="10099582" y="4930574"/>
+            <a:ext cx="420308" cy="276999"/>
+          </a:xfrm>
+          <a:prstGeom prst="rect">
+            <a:avLst/>
+          </a:prstGeom>
+          <a:noFill/>
+          <a:scene3d>
+            <a:camera prst="obliqueTopLeft"/>
+            <a:lightRig rig="threePt" dir="t"/>
+          </a:scene3d>
+        </p:spPr>
+        <p:txBody>
+          <a:bodyPr wrap="none" rtlCol="0">
+            <a:spAutoFit/>
+          </a:bodyPr>
+          <a:lstStyle/>
+          <a:p>
+            <a:r>
+              <a:rPr lang="en-US" altLang="ko-KR" sz="1200" dirty="0">
+                <a:solidFill>
+                  <a:schemeClr val="bg2">
+                    <a:lumMod val="50000"/>
+                  </a:schemeClr>
+                </a:solidFill>
+                <a:latin typeface="210 콤퓨타세탁 L" panose="02020603020101020101" pitchFamily="18" charset="-127"/>
+                <a:ea typeface="210 콤퓨타세탁 L" panose="02020603020101020101" pitchFamily="18" charset="-127"/>
+              </a:rPr>
+              <a:t>5</a:t>
+            </a:r>
+            <a:r>
+              <a:rPr lang="ko-KR" altLang="en-US" sz="1200" dirty="0">
+                <a:solidFill>
+                  <a:schemeClr val="bg2">
+                    <a:lumMod val="50000"/>
+                  </a:schemeClr>
+                </a:solidFill>
+                <a:latin typeface="210 콤퓨타세탁 L" panose="02020603020101020101" pitchFamily="18" charset="-127"/>
+                <a:ea typeface="210 콤퓨타세탁 L" panose="02020603020101020101" pitchFamily="18" charset="-127"/>
+              </a:rPr>
+              <a:t>번</a:t>
+            </a:r>
+          </a:p>
+        </p:txBody>
+      </p:sp>
+      <p:sp>
+        <p:nvSpPr>
+          <p:cNvPr id="20" name="타원 19"/>
+          <p:cNvSpPr/>
+          <p:nvPr/>
+        </p:nvSpPr>
+        <p:spPr>
+          <a:xfrm>
+            <a:off x="7177773" y="4363823"/>
+            <a:ext cx="45719" cy="45719"/>
+          </a:xfrm>
+          <a:prstGeom prst="ellipse">
+            <a:avLst/>
+          </a:prstGeom>
+          <a:noFill/>
+          <a:ln>
+            <a:solidFill>
+              <a:srgbClr val="98BCC3"/>
+            </a:solidFill>
+          </a:ln>
+        </p:spPr>
+        <p:style>
+          <a:lnRef idx="2">
+            <a:schemeClr val="accent1">
+              <a:shade val="50000"/>
+            </a:schemeClr>
+          </a:lnRef>
+          <a:fillRef idx="1">
+            <a:schemeClr val="accent1"/>
+          </a:fillRef>
+          <a:effectRef idx="0">
+            <a:schemeClr val="accent1"/>
+          </a:effectRef>
+          <a:fontRef idx="minor">
+            <a:schemeClr val="lt1"/>
+          </a:fontRef>
+        </p:style>
+        <p:txBody>
+          <a:bodyPr rtlCol="0" anchor="ctr"/>
+          <a:lstStyle/>
+          <a:p>
+            <a:pPr algn="ctr"/>
+            <a:endParaRPr lang="ko-KR" altLang="en-US"/>
+          </a:p>
+        </p:txBody>
+      </p:sp>
+      <p:sp>
+        <p:nvSpPr>
+          <p:cNvPr id="142" name="타원 141"/>
+          <p:cNvSpPr/>
+          <p:nvPr/>
+        </p:nvSpPr>
+        <p:spPr>
+          <a:xfrm>
+            <a:off x="7939310" y="4064805"/>
+            <a:ext cx="45719" cy="45719"/>
+          </a:xfrm>
+          <a:prstGeom prst="ellipse">
+            <a:avLst/>
+          </a:prstGeom>
+          <a:noFill/>
+          <a:ln>
+            <a:solidFill>
+              <a:srgbClr val="EB9A8A"/>
+            </a:solidFill>
+          </a:ln>
+        </p:spPr>
+        <p:style>
+          <a:lnRef idx="2">
+            <a:schemeClr val="accent1">
+              <a:shade val="50000"/>
+            </a:schemeClr>
+          </a:lnRef>
+          <a:fillRef idx="1">
+            <a:schemeClr val="accent1"/>
+          </a:fillRef>
+          <a:effectRef idx="0">
+            <a:schemeClr val="accent1"/>
+          </a:effectRef>
+          <a:fontRef idx="minor">
+            <a:schemeClr val="lt1"/>
+          </a:fontRef>
+        </p:style>
+        <p:txBody>
+          <a:bodyPr rtlCol="0" anchor="ctr"/>
+          <a:lstStyle/>
+          <a:p>
+            <a:pPr algn="ctr"/>
+            <a:endParaRPr lang="ko-KR" altLang="en-US"/>
+          </a:p>
+        </p:txBody>
+      </p:sp>
+      <p:sp>
+        <p:nvSpPr>
+          <p:cNvPr id="143" name="타원 142"/>
+          <p:cNvSpPr/>
+          <p:nvPr/>
+        </p:nvSpPr>
+        <p:spPr>
+          <a:xfrm>
+            <a:off x="8701614" y="3696479"/>
+            <a:ext cx="45719" cy="45719"/>
+          </a:xfrm>
+          <a:prstGeom prst="ellipse">
+            <a:avLst/>
+          </a:prstGeom>
+          <a:noFill/>
+          <a:ln>
+            <a:solidFill>
+              <a:srgbClr val="A5C08F"/>
+            </a:solidFill>
+          </a:ln>
+        </p:spPr>
+        <p:style>
+          <a:lnRef idx="2">
+            <a:schemeClr val="accent1">
+              <a:shade val="50000"/>
+            </a:schemeClr>
+          </a:lnRef>
+          <a:fillRef idx="1">
+            <a:schemeClr val="accent1"/>
+          </a:fillRef>
+          <a:effectRef idx="0">
+            <a:schemeClr val="accent1"/>
+          </a:effectRef>
+          <a:fontRef idx="minor">
+            <a:schemeClr val="lt1"/>
+          </a:fontRef>
+        </p:style>
+        <p:txBody>
+          <a:bodyPr rtlCol="0" anchor="ctr"/>
+          <a:lstStyle/>
+          <a:p>
+            <a:pPr algn="ctr"/>
+            <a:endParaRPr lang="ko-KR" altLang="en-US"/>
+          </a:p>
+        </p:txBody>
+      </p:sp>
+      <p:sp>
+        <p:nvSpPr>
+          <p:cNvPr id="144" name="타원 143"/>
+          <p:cNvSpPr/>
+          <p:nvPr/>
+        </p:nvSpPr>
+        <p:spPr>
+          <a:xfrm>
+            <a:off x="9464585" y="3281374"/>
+            <a:ext cx="45719" cy="45719"/>
+          </a:xfrm>
+          <a:prstGeom prst="ellipse">
+            <a:avLst/>
+          </a:prstGeom>
+          <a:noFill/>
+          <a:ln>
+            <a:solidFill>
+              <a:srgbClr val="BCB2C1"/>
+            </a:solidFill>
+          </a:ln>
+        </p:spPr>
+        <p:style>
+          <a:lnRef idx="2">
+            <a:schemeClr val="accent1">
+              <a:shade val="50000"/>
+            </a:schemeClr>
+          </a:lnRef>
+          <a:fillRef idx="1">
+            <a:schemeClr val="accent1"/>
+          </a:fillRef>
+          <a:effectRef idx="0">
+            <a:schemeClr val="accent1"/>
+          </a:effectRef>
+          <a:fontRef idx="minor">
+            <a:schemeClr val="lt1"/>
+          </a:fontRef>
+        </p:style>
+        <p:txBody>
+          <a:bodyPr rtlCol="0" anchor="ctr"/>
+          <a:lstStyle/>
+          <a:p>
+            <a:pPr algn="ctr"/>
+            <a:endParaRPr lang="ko-KR" altLang="en-US"/>
+          </a:p>
+        </p:txBody>
+      </p:sp>
+      <p:sp>
+        <p:nvSpPr>
+          <p:cNvPr id="145" name="타원 144"/>
+          <p:cNvSpPr/>
+          <p:nvPr/>
+        </p:nvSpPr>
+        <p:spPr>
+          <a:xfrm>
+            <a:off x="10223651" y="4150551"/>
+            <a:ext cx="45719" cy="45719"/>
+          </a:xfrm>
+          <a:prstGeom prst="ellipse">
+            <a:avLst/>
+          </a:prstGeom>
+          <a:noFill/>
+          <a:ln>
+            <a:solidFill>
+              <a:srgbClr val="F1DD82"/>
+            </a:solidFill>
+          </a:ln>
+        </p:spPr>
+        <p:style>
+          <a:lnRef idx="2">
+            <a:schemeClr val="accent1">
+              <a:shade val="50000"/>
+            </a:schemeClr>
+          </a:lnRef>
+          <a:fillRef idx="1">
+            <a:schemeClr val="accent1"/>
+          </a:fillRef>
+          <a:effectRef idx="0">
+            <a:schemeClr val="accent1"/>
+          </a:effectRef>
+          <a:fontRef idx="minor">
+            <a:schemeClr val="lt1"/>
+          </a:fontRef>
+        </p:style>
+        <p:txBody>
+          <a:bodyPr rtlCol="0" anchor="ctr"/>
+          <a:lstStyle/>
+          <a:p>
+            <a:pPr algn="ctr"/>
+            <a:endParaRPr lang="ko-KR" altLang="en-US"/>
+          </a:p>
+        </p:txBody>
+      </p:sp>
+      <p:sp>
+        <p:nvSpPr>
+          <p:cNvPr id="146" name="TextBox 145"/>
+          <p:cNvSpPr txBox="1"/>
+          <p:nvPr/>
+        </p:nvSpPr>
+        <p:spPr>
+          <a:xfrm>
+            <a:off x="6983244" y="4119523"/>
+            <a:ext cx="423514" cy="230832"/>
+          </a:xfrm>
+          <a:prstGeom prst="rect">
+            <a:avLst/>
+          </a:prstGeom>
+          <a:noFill/>
+          <a:scene3d>
+            <a:camera prst="obliqueTopLeft"/>
+            <a:lightRig rig="threePt" dir="t"/>
+          </a:scene3d>
+        </p:spPr>
+        <p:txBody>
+          <a:bodyPr wrap="none" rtlCol="0">
+            <a:spAutoFit/>
+          </a:bodyPr>
+          <a:lstStyle/>
+          <a:p>
+            <a:r>
+              <a:rPr lang="en-US" altLang="ko-KR" sz="900" dirty="0">
+                <a:solidFill>
+                  <a:schemeClr val="bg2">
+                    <a:lumMod val="50000"/>
+                  </a:schemeClr>
+                </a:solidFill>
+                <a:latin typeface="210 콤퓨타세탁 L" panose="02020603020101020101" pitchFamily="18" charset="-127"/>
+                <a:ea typeface="210 콤퓨타세탁 L" panose="02020603020101020101" pitchFamily="18" charset="-127"/>
+              </a:rPr>
+              <a:t>15.0</a:t>
+            </a:r>
+            <a:endParaRPr lang="ko-KR" altLang="en-US" sz="900" dirty="0">
+              <a:solidFill>
+                <a:schemeClr val="bg2">
+                  <a:lumMod val="50000"/>
+                </a:schemeClr>
+              </a:solidFill>
+              <a:latin typeface="210 콤퓨타세탁 L" panose="02020603020101020101" pitchFamily="18" charset="-127"/>
+              <a:ea typeface="210 콤퓨타세탁 L" panose="02020603020101020101" pitchFamily="18" charset="-127"/>
+            </a:endParaRPr>
+          </a:p>
+        </p:txBody>
+      </p:sp>
+      <p:sp>
+        <p:nvSpPr>
+          <p:cNvPr id="147" name="TextBox 146"/>
+          <p:cNvSpPr txBox="1"/>
+          <p:nvPr/>
+        </p:nvSpPr>
+        <p:spPr>
+          <a:xfrm>
+            <a:off x="7740094" y="3827506"/>
+            <a:ext cx="444352" cy="230832"/>
+          </a:xfrm>
+          <a:prstGeom prst="rect">
+            <a:avLst/>
+          </a:prstGeom>
+          <a:noFill/>
+          <a:scene3d>
+            <a:camera prst="obliqueTopLeft"/>
+            <a:lightRig rig="threePt" dir="t"/>
+          </a:scene3d>
+        </p:spPr>
+        <p:txBody>
+          <a:bodyPr wrap="none" rtlCol="0">
+            <a:spAutoFit/>
+          </a:bodyPr>
+          <a:lstStyle/>
+          <a:p>
+            <a:r>
+              <a:rPr lang="en-US" altLang="ko-KR" sz="900" dirty="0">
+                <a:solidFill>
+                  <a:schemeClr val="bg2">
+                    <a:lumMod val="50000"/>
+                  </a:schemeClr>
+                </a:solidFill>
+                <a:latin typeface="210 콤퓨타세탁 L" panose="02020603020101020101" pitchFamily="18" charset="-127"/>
+                <a:ea typeface="210 콤퓨타세탁 L" panose="02020603020101020101" pitchFamily="18" charset="-127"/>
+              </a:rPr>
+              <a:t>30.3</a:t>
+            </a:r>
+            <a:endParaRPr lang="ko-KR" altLang="en-US" sz="900" dirty="0">
+              <a:solidFill>
+                <a:schemeClr val="bg2">
+                  <a:lumMod val="50000"/>
+                </a:schemeClr>
+              </a:solidFill>
+              <a:latin typeface="210 콤퓨타세탁 L" panose="02020603020101020101" pitchFamily="18" charset="-127"/>
+              <a:ea typeface="210 콤퓨타세탁 L" panose="02020603020101020101" pitchFamily="18" charset="-127"/>
+            </a:endParaRPr>
+          </a:p>
+        </p:txBody>
+      </p:sp>
+      <p:sp>
+        <p:nvSpPr>
+          <p:cNvPr id="148" name="TextBox 147"/>
+          <p:cNvSpPr txBox="1"/>
+          <p:nvPr/>
+        </p:nvSpPr>
+        <p:spPr>
+          <a:xfrm>
+            <a:off x="8500016" y="3446854"/>
+            <a:ext cx="437940" cy="230832"/>
+          </a:xfrm>
+          <a:prstGeom prst="rect">
+            <a:avLst/>
+          </a:prstGeom>
+          <a:noFill/>
+          <a:scene3d>
+            <a:camera prst="obliqueTopLeft"/>
+            <a:lightRig rig="threePt" dir="t"/>
+          </a:scene3d>
+        </p:spPr>
+        <p:txBody>
+          <a:bodyPr wrap="none" rtlCol="0">
+            <a:spAutoFit/>
+          </a:bodyPr>
+          <a:lstStyle/>
+          <a:p>
+            <a:r>
+              <a:rPr lang="en-US" altLang="ko-KR" sz="900" dirty="0">
+                <a:solidFill>
+                  <a:schemeClr val="bg2">
+                    <a:lumMod val="50000"/>
+                  </a:schemeClr>
+                </a:solidFill>
+                <a:latin typeface="210 콤퓨타세탁 L" panose="02020603020101020101" pitchFamily="18" charset="-127"/>
+                <a:ea typeface="210 콤퓨타세탁 L" panose="02020603020101020101" pitchFamily="18" charset="-127"/>
+              </a:rPr>
+              <a:t>47.7</a:t>
+            </a:r>
+            <a:endParaRPr lang="ko-KR" altLang="en-US" sz="900" dirty="0">
+              <a:solidFill>
+                <a:schemeClr val="bg2">
+                  <a:lumMod val="50000"/>
+                </a:schemeClr>
+              </a:solidFill>
+              <a:latin typeface="210 콤퓨타세탁 L" panose="02020603020101020101" pitchFamily="18" charset="-127"/>
+              <a:ea typeface="210 콤퓨타세탁 L" panose="02020603020101020101" pitchFamily="18" charset="-127"/>
+            </a:endParaRPr>
+          </a:p>
+        </p:txBody>
+      </p:sp>
+      <p:sp>
+        <p:nvSpPr>
+          <p:cNvPr id="149" name="TextBox 148"/>
+          <p:cNvSpPr txBox="1"/>
+          <p:nvPr/>
+        </p:nvSpPr>
+        <p:spPr>
+          <a:xfrm>
+            <a:off x="9260447" y="3032696"/>
+            <a:ext cx="444352" cy="230832"/>
+          </a:xfrm>
+          <a:prstGeom prst="rect">
+            <a:avLst/>
+          </a:prstGeom>
+          <a:noFill/>
+          <a:scene3d>
+            <a:camera prst="obliqueTopLeft"/>
+            <a:lightRig rig="threePt" dir="t"/>
+          </a:scene3d>
+        </p:spPr>
+        <p:txBody>
+          <a:bodyPr wrap="none" rtlCol="0">
+            <a:spAutoFit/>
+          </a:bodyPr>
+          <a:lstStyle/>
+          <a:p>
+            <a:r>
+              <a:rPr lang="en-US" altLang="ko-KR" sz="900" dirty="0">
+                <a:solidFill>
+                  <a:schemeClr val="bg2">
+                    <a:lumMod val="50000"/>
+                  </a:schemeClr>
+                </a:solidFill>
+                <a:latin typeface="210 콤퓨타세탁 L" panose="02020603020101020101" pitchFamily="18" charset="-127"/>
+                <a:ea typeface="210 콤퓨타세탁 L" panose="02020603020101020101" pitchFamily="18" charset="-127"/>
+              </a:rPr>
+              <a:t>73.8</a:t>
+            </a:r>
+            <a:endParaRPr lang="ko-KR" altLang="en-US" sz="900" dirty="0">
+              <a:solidFill>
+                <a:schemeClr val="bg2">
+                  <a:lumMod val="50000"/>
+                </a:schemeClr>
+              </a:solidFill>
+              <a:latin typeface="210 콤퓨타세탁 L" panose="02020603020101020101" pitchFamily="18" charset="-127"/>
+              <a:ea typeface="210 콤퓨타세탁 L" panose="02020603020101020101" pitchFamily="18" charset="-127"/>
+            </a:endParaRPr>
+          </a:p>
+        </p:txBody>
+      </p:sp>
+      <p:sp>
+        <p:nvSpPr>
+          <p:cNvPr id="150" name="TextBox 149"/>
+          <p:cNvSpPr txBox="1"/>
+          <p:nvPr/>
+        </p:nvSpPr>
+        <p:spPr>
+          <a:xfrm>
+            <a:off x="10019336" y="3901735"/>
+            <a:ext cx="439544" cy="230832"/>
+          </a:xfrm>
+          <a:prstGeom prst="rect">
+            <a:avLst/>
+          </a:prstGeom>
+          <a:noFill/>
+          <a:scene3d>
+            <a:camera prst="obliqueTopLeft"/>
+            <a:lightRig rig="threePt" dir="t"/>
+          </a:scene3d>
+        </p:spPr>
+        <p:txBody>
+          <a:bodyPr wrap="none" rtlCol="0">
+            <a:spAutoFit/>
+          </a:bodyPr>
+          <a:lstStyle/>
+          <a:p>
+            <a:r>
+              <a:rPr lang="en-US" altLang="ko-KR" sz="900" dirty="0">
+                <a:solidFill>
+                  <a:schemeClr val="bg2">
+                    <a:lumMod val="50000"/>
+                  </a:schemeClr>
+                </a:solidFill>
+                <a:latin typeface="210 콤퓨타세탁 L" panose="02020603020101020101" pitchFamily="18" charset="-127"/>
+                <a:ea typeface="210 콤퓨타세탁 L" panose="02020603020101020101" pitchFamily="18" charset="-127"/>
+              </a:rPr>
+              <a:t>20.5</a:t>
+            </a:r>
+            <a:endParaRPr lang="ko-KR" altLang="en-US" sz="900" dirty="0">
+              <a:solidFill>
+                <a:schemeClr val="bg2">
+                  <a:lumMod val="50000"/>
+                </a:schemeClr>
+              </a:solidFill>
+              <a:latin typeface="210 콤퓨타세탁 L" panose="02020603020101020101" pitchFamily="18" charset="-127"/>
+              <a:ea typeface="210 콤퓨타세탁 L" panose="02020603020101020101" pitchFamily="18" charset="-127"/>
+            </a:endParaRPr>
+          </a:p>
+        </p:txBody>
+      </p:sp>
+      <p:cxnSp>
+        <p:nvCxnSpPr>
+          <p:cNvPr id="162" name="직선 연결선 161"/>
+          <p:cNvCxnSpPr/>
+          <p:nvPr/>
+        </p:nvCxnSpPr>
+        <p:spPr>
+          <a:xfrm>
+            <a:off x="10367725" y="457260"/>
+            <a:ext cx="0" cy="364319"/>
+          </a:xfrm>
+          <a:prstGeom prst="line">
+            <a:avLst/>
+          </a:prstGeom>
+          <a:ln w="12700">
+            <a:solidFill>
+              <a:srgbClr val="C8C8C8"/>
+            </a:solidFill>
+          </a:ln>
+        </p:spPr>
+        <p:style>
+          <a:lnRef idx="1">
+            <a:schemeClr val="accent1"/>
+          </a:lnRef>
+          <a:fillRef idx="0">
+            <a:schemeClr val="accent1"/>
+          </a:fillRef>
+          <a:effectRef idx="0">
+            <a:schemeClr val="accent1"/>
+          </a:effectRef>
+          <a:fontRef idx="minor">
+            <a:schemeClr val="tx1"/>
+          </a:fontRef>
+        </p:style>
+      </p:cxnSp>
+      <p:cxnSp>
+        <p:nvCxnSpPr>
+          <p:cNvPr id="163" name="직선 연결선 162"/>
+          <p:cNvCxnSpPr/>
+          <p:nvPr/>
+        </p:nvCxnSpPr>
+        <p:spPr>
+          <a:xfrm>
+            <a:off x="11634461" y="457260"/>
+            <a:ext cx="0" cy="364319"/>
+          </a:xfrm>
+          <a:prstGeom prst="line">
+            <a:avLst/>
+          </a:prstGeom>
+          <a:ln w="12700">
+            <a:solidFill>
+              <a:srgbClr val="C8C8C8"/>
+            </a:solidFill>
+          </a:ln>
+        </p:spPr>
+        <p:style>
+          <a:lnRef idx="1">
+            <a:schemeClr val="accent1"/>
+          </a:lnRef>
+          <a:fillRef idx="0">
+            <a:schemeClr val="accent1"/>
+          </a:fillRef>
+          <a:effectRef idx="0">
+            <a:schemeClr val="accent1"/>
+          </a:effectRef>
+          <a:fontRef idx="minor">
+            <a:schemeClr val="tx1"/>
+          </a:fontRef>
+        </p:style>
+      </p:cxnSp>
+      <p:sp>
+        <p:nvSpPr>
+          <p:cNvPr id="164" name="TextBox 163"/>
+          <p:cNvSpPr txBox="1"/>
+          <p:nvPr/>
+        </p:nvSpPr>
+        <p:spPr>
+          <a:xfrm>
+            <a:off x="10371708" y="512461"/>
+            <a:ext cx="1297150" cy="253916"/>
+          </a:xfrm>
+          <a:prstGeom prst="rect">
+            <a:avLst/>
+          </a:prstGeom>
+          <a:noFill/>
+          <a:scene3d>
+            <a:camera prst="obliqueTopLeft"/>
+            <a:lightRig rig="threePt" dir="t"/>
+          </a:scene3d>
+        </p:spPr>
+        <p:txBody>
+          <a:bodyPr wrap="none" rtlCol="0">
+            <a:spAutoFit/>
+          </a:bodyPr>
+          <a:lstStyle/>
+          <a:p>
+            <a:r>
+              <a:rPr lang="ko-KR" altLang="en-US" sz="1050" spc="300">
+                <a:solidFill>
+                  <a:schemeClr val="bg2">
+                    <a:lumMod val="75000"/>
+                  </a:schemeClr>
+                </a:solidFill>
+                <a:latin typeface="210 콤퓨타세탁 L" panose="02020603020101020101" pitchFamily="18" charset="-127"/>
+                <a:ea typeface="210 콤퓨타세탁 L" panose="02020603020101020101" pitchFamily="18" charset="-127"/>
+              </a:rPr>
+              <a:t>다섯 </a:t>
+            </a:r>
+            <a:r>
+              <a:rPr lang="ko-KR" altLang="en-US" sz="1050" spc="300" dirty="0">
+                <a:solidFill>
+                  <a:schemeClr val="bg2">
+                    <a:lumMod val="75000"/>
+                  </a:schemeClr>
+                </a:solidFill>
+                <a:latin typeface="210 콤퓨타세탁 L" panose="02020603020101020101" pitchFamily="18" charset="-127"/>
+                <a:ea typeface="210 콤퓨타세탁 L" panose="02020603020101020101" pitchFamily="18" charset="-127"/>
+              </a:rPr>
+              <a:t>번째 목차</a:t>
+            </a:r>
+          </a:p>
+        </p:txBody>
+      </p:sp>
+      <p:cxnSp>
+        <p:nvCxnSpPr>
+          <p:cNvPr id="165" name="직선 연결선 164"/>
+          <p:cNvCxnSpPr/>
+          <p:nvPr/>
+        </p:nvCxnSpPr>
+        <p:spPr>
+          <a:xfrm>
+            <a:off x="9100989" y="457260"/>
+            <a:ext cx="0" cy="364319"/>
+          </a:xfrm>
+          <a:prstGeom prst="line">
+            <a:avLst/>
+          </a:prstGeom>
+          <a:ln w="12700">
+            <a:solidFill>
+              <a:srgbClr val="C8C8C8"/>
+            </a:solidFill>
+          </a:ln>
+        </p:spPr>
+        <p:style>
+          <a:lnRef idx="1">
+            <a:schemeClr val="accent1"/>
+          </a:lnRef>
+          <a:fillRef idx="0">
+            <a:schemeClr val="accent1"/>
+          </a:fillRef>
+          <a:effectRef idx="0">
+            <a:schemeClr val="accent1"/>
+          </a:effectRef>
+          <a:fontRef idx="minor">
+            <a:schemeClr val="tx1"/>
+          </a:fontRef>
+        </p:style>
+      </p:cxnSp>
+      <p:sp>
+        <p:nvSpPr>
+          <p:cNvPr id="166" name="TextBox 165"/>
+          <p:cNvSpPr txBox="1"/>
+          <p:nvPr/>
+        </p:nvSpPr>
+        <p:spPr>
+          <a:xfrm>
+            <a:off x="9165932" y="512461"/>
+            <a:ext cx="1136850" cy="253916"/>
+          </a:xfrm>
+          <a:prstGeom prst="rect">
+            <a:avLst/>
+          </a:prstGeom>
+          <a:noFill/>
+          <a:scene3d>
+            <a:camera prst="obliqueTopLeft"/>
+            <a:lightRig rig="threePt" dir="t"/>
+          </a:scene3d>
+        </p:spPr>
+        <p:txBody>
+          <a:bodyPr wrap="none" rtlCol="0">
+            <a:spAutoFit/>
+          </a:bodyPr>
+          <a:lstStyle/>
+          <a:p>
+            <a:r>
+              <a:rPr lang="ko-KR" altLang="en-US" sz="1050" spc="300" dirty="0">
+                <a:solidFill>
+                  <a:srgbClr val="DAB38A"/>
+                </a:solidFill>
+                <a:latin typeface="210 콤퓨타세탁 L" panose="02020603020101020101" pitchFamily="18" charset="-127"/>
+                <a:ea typeface="210 콤퓨타세탁 L" panose="02020603020101020101" pitchFamily="18" charset="-127"/>
+              </a:rPr>
+              <a:t>네 번째 목차</a:t>
+            </a:r>
+          </a:p>
+        </p:txBody>
+      </p:sp>
+      <p:cxnSp>
+        <p:nvCxnSpPr>
+          <p:cNvPr id="167" name="직선 연결선 166"/>
+          <p:cNvCxnSpPr/>
+          <p:nvPr/>
+        </p:nvCxnSpPr>
+        <p:spPr>
+          <a:xfrm>
+            <a:off x="7834253" y="457260"/>
+            <a:ext cx="0" cy="364319"/>
+          </a:xfrm>
+          <a:prstGeom prst="line">
+            <a:avLst/>
+          </a:prstGeom>
+          <a:ln w="12700">
+            <a:solidFill>
+              <a:srgbClr val="C8C8C8"/>
+            </a:solidFill>
+          </a:ln>
+        </p:spPr>
+        <p:style>
+          <a:lnRef idx="1">
+            <a:schemeClr val="accent1"/>
+          </a:lnRef>
+          <a:fillRef idx="0">
+            <a:schemeClr val="accent1"/>
+          </a:fillRef>
+          <a:effectRef idx="0">
+            <a:schemeClr val="accent1"/>
+          </a:effectRef>
+          <a:fontRef idx="minor">
+            <a:schemeClr val="tx1"/>
+          </a:fontRef>
+        </p:style>
+      </p:cxnSp>
+      <p:sp>
+        <p:nvSpPr>
+          <p:cNvPr id="168" name="TextBox 167"/>
+          <p:cNvSpPr txBox="1"/>
+          <p:nvPr/>
+        </p:nvSpPr>
+        <p:spPr>
+          <a:xfrm>
+            <a:off x="7899196" y="512461"/>
+            <a:ext cx="1136850" cy="253916"/>
+          </a:xfrm>
+          <a:prstGeom prst="rect">
+            <a:avLst/>
+          </a:prstGeom>
+          <a:noFill/>
+          <a:scene3d>
+            <a:camera prst="obliqueTopLeft"/>
+            <a:lightRig rig="threePt" dir="t"/>
+          </a:scene3d>
+        </p:spPr>
+        <p:txBody>
+          <a:bodyPr wrap="none" rtlCol="0">
+            <a:spAutoFit/>
+          </a:bodyPr>
+          <a:lstStyle/>
+          <a:p>
+            <a:r>
+              <a:rPr lang="ko-KR" altLang="en-US" sz="1050" spc="300" dirty="0">
+                <a:solidFill>
+                  <a:schemeClr val="bg2">
+                    <a:lumMod val="75000"/>
+                  </a:schemeClr>
+                </a:solidFill>
+                <a:latin typeface="210 콤퓨타세탁 L" panose="02020603020101020101" pitchFamily="18" charset="-127"/>
+                <a:ea typeface="210 콤퓨타세탁 L" panose="02020603020101020101" pitchFamily="18" charset="-127"/>
+              </a:rPr>
+              <a:t>세 번째 목차</a:t>
+            </a:r>
+          </a:p>
+        </p:txBody>
+      </p:sp>
+      <p:sp>
+        <p:nvSpPr>
+          <p:cNvPr id="169" name="TextBox 168"/>
+          <p:cNvSpPr txBox="1"/>
+          <p:nvPr/>
+        </p:nvSpPr>
+        <p:spPr>
+          <a:xfrm>
+            <a:off x="6631706" y="512461"/>
+            <a:ext cx="1136850" cy="253916"/>
+          </a:xfrm>
+          <a:prstGeom prst="rect">
+            <a:avLst/>
+          </a:prstGeom>
+          <a:noFill/>
+          <a:scene3d>
+            <a:camera prst="obliqueTopLeft"/>
+            <a:lightRig rig="threePt" dir="t"/>
+          </a:scene3d>
+        </p:spPr>
+        <p:txBody>
+          <a:bodyPr wrap="none" rtlCol="0">
+            <a:spAutoFit/>
+          </a:bodyPr>
+          <a:lstStyle/>
+          <a:p>
+            <a:r>
+              <a:rPr lang="ko-KR" altLang="en-US" sz="1050" spc="300" dirty="0">
+                <a:solidFill>
+                  <a:schemeClr val="bg2">
+                    <a:lumMod val="75000"/>
+                  </a:schemeClr>
+                </a:solidFill>
+                <a:latin typeface="210 콤퓨타세탁 L" panose="02020603020101020101" pitchFamily="18" charset="-127"/>
+                <a:ea typeface="210 콤퓨타세탁 L" panose="02020603020101020101" pitchFamily="18" charset="-127"/>
+              </a:rPr>
+              <a:t>두 번째 목차</a:t>
+            </a:r>
+          </a:p>
+        </p:txBody>
+      </p:sp>
+      <p:cxnSp>
+        <p:nvCxnSpPr>
+          <p:cNvPr id="170" name="직선 연결선 169"/>
+          <p:cNvCxnSpPr/>
+          <p:nvPr/>
+        </p:nvCxnSpPr>
+        <p:spPr>
+          <a:xfrm>
+            <a:off x="6586014" y="457260"/>
+            <a:ext cx="0" cy="364319"/>
+          </a:xfrm>
+          <a:prstGeom prst="line">
+            <a:avLst/>
+          </a:prstGeom>
+          <a:ln w="12700">
+            <a:solidFill>
+              <a:srgbClr val="C8C8C8"/>
+            </a:solidFill>
+          </a:ln>
+        </p:spPr>
+        <p:style>
+          <a:lnRef idx="1">
+            <a:schemeClr val="accent1"/>
+          </a:lnRef>
+          <a:fillRef idx="0">
+            <a:schemeClr val="accent1"/>
+          </a:fillRef>
+          <a:effectRef idx="0">
+            <a:schemeClr val="accent1"/>
+          </a:effectRef>
+          <a:fontRef idx="minor">
+            <a:schemeClr val="tx1"/>
+          </a:fontRef>
+        </p:style>
+      </p:cxnSp>
+      <p:sp>
+        <p:nvSpPr>
+          <p:cNvPr id="171" name="TextBox 170"/>
+          <p:cNvSpPr txBox="1"/>
+          <p:nvPr/>
+        </p:nvSpPr>
+        <p:spPr>
+          <a:xfrm>
+            <a:off x="5383467" y="512461"/>
+            <a:ext cx="1136850" cy="253916"/>
+          </a:xfrm>
+          <a:prstGeom prst="rect">
+            <a:avLst/>
+          </a:prstGeom>
+          <a:noFill/>
+          <a:scene3d>
+            <a:camera prst="obliqueTopLeft"/>
+            <a:lightRig rig="threePt" dir="t"/>
+          </a:scene3d>
+        </p:spPr>
+        <p:txBody>
+          <a:bodyPr wrap="none" rtlCol="0">
+            <a:spAutoFit/>
+          </a:bodyPr>
+          <a:lstStyle/>
+          <a:p>
+            <a:r>
+              <a:rPr lang="ko-KR" altLang="en-US" sz="1050" spc="300" dirty="0">
+                <a:solidFill>
+                  <a:schemeClr val="bg2">
+                    <a:lumMod val="75000"/>
+                  </a:schemeClr>
+                </a:solidFill>
+                <a:latin typeface="210 콤퓨타세탁 L" panose="02020603020101020101" pitchFamily="18" charset="-127"/>
+                <a:ea typeface="210 콤퓨타세탁 L" panose="02020603020101020101" pitchFamily="18" charset="-127"/>
+              </a:rPr>
+              <a:t>첫 번째 목차</a:t>
+            </a:r>
+          </a:p>
+        </p:txBody>
+      </p:sp>
+      <p:cxnSp>
+        <p:nvCxnSpPr>
+          <p:cNvPr id="172" name="직선 연결선 171"/>
+          <p:cNvCxnSpPr/>
+          <p:nvPr/>
+        </p:nvCxnSpPr>
+        <p:spPr>
+          <a:xfrm>
+            <a:off x="5337775" y="457260"/>
+            <a:ext cx="0" cy="364319"/>
+          </a:xfrm>
+          <a:prstGeom prst="line">
+            <a:avLst/>
+          </a:prstGeom>
+          <a:ln w="12700">
+            <a:solidFill>
+              <a:srgbClr val="C8C8C8"/>
+            </a:solidFill>
+          </a:ln>
+        </p:spPr>
+        <p:style>
+          <a:lnRef idx="1">
+            <a:schemeClr val="accent1"/>
+          </a:lnRef>
+          <a:fillRef idx="0">
+            <a:schemeClr val="accent1"/>
+          </a:fillRef>
+          <a:effectRef idx="0">
+            <a:schemeClr val="accent1"/>
+          </a:effectRef>
+          <a:fontRef idx="minor">
+            <a:schemeClr val="tx1"/>
+          </a:fontRef>
+        </p:style>
+      </p:cxnSp>
+      <p:sp>
+        <p:nvSpPr>
+          <p:cNvPr id="52" name="TextBox 51">
+            <a:extLst>
+              <a:ext uri="{FF2B5EF4-FFF2-40B4-BE49-F238E27FC236}">
+                <a16:creationId xmlns:a16="http://schemas.microsoft.com/office/drawing/2014/main" id="{DD6EF6F6-05FF-4DE2-BCC0-B7B8AF6B9167}"/>
+              </a:ext>
+            </a:extLst>
+          </p:cNvPr>
+          <p:cNvSpPr txBox="1"/>
+          <p:nvPr/>
+        </p:nvSpPr>
+        <p:spPr>
+          <a:xfrm>
+            <a:off x="4919283" y="2539461"/>
+            <a:ext cx="748214" cy="1200329"/>
+          </a:xfrm>
+          <a:prstGeom prst="rect">
+            <a:avLst/>
+          </a:prstGeom>
+          <a:noFill/>
+          <a:scene3d>
+            <a:camera prst="obliqueTopLeft"/>
+            <a:lightRig rig="threePt" dir="t"/>
+          </a:scene3d>
+        </p:spPr>
+        <p:txBody>
+          <a:bodyPr wrap="square" rtlCol="0">
+            <a:spAutoFit/>
+          </a:bodyPr>
+          <a:lstStyle/>
+          <a:p>
+            <a:r>
+              <a:rPr lang="ko-KR" altLang="en-US" sz="3600" dirty="0">
+                <a:solidFill>
+                  <a:schemeClr val="bg1"/>
+                </a:solidFill>
+                <a:latin typeface="210 콤퓨타세탁 L" panose="02020603020101020101" pitchFamily="18" charset="-127"/>
+                <a:ea typeface="210 콤퓨타세탁 L" panose="02020603020101020101" pitchFamily="18" charset="-127"/>
+              </a:rPr>
+              <a:t>왕</a:t>
+            </a:r>
+            <a:r>
+              <a:rPr lang="en-US" altLang="ko-KR" sz="3600" dirty="0">
+                <a:solidFill>
+                  <a:schemeClr val="bg1"/>
+                </a:solidFill>
+                <a:latin typeface="210 콤퓨타세탁 L" panose="02020603020101020101" pitchFamily="18" charset="-127"/>
+                <a:ea typeface="210 콤퓨타세탁 L" panose="02020603020101020101" pitchFamily="18" charset="-127"/>
+              </a:rPr>
+              <a:t>!</a:t>
+            </a:r>
+          </a:p>
+          <a:p>
+            <a:r>
+              <a:rPr lang="ko-KR" altLang="en-US" sz="3600" dirty="0">
+                <a:solidFill>
+                  <a:schemeClr val="bg1"/>
+                </a:solidFill>
+                <a:latin typeface="210 콤퓨타세탁 L" panose="02020603020101020101" pitchFamily="18" charset="-127"/>
+                <a:ea typeface="210 콤퓨타세탁 L" panose="02020603020101020101" pitchFamily="18" charset="-127"/>
+              </a:rPr>
+              <a:t>왕</a:t>
+            </a:r>
+            <a:r>
+              <a:rPr lang="en-US" altLang="ko-KR" sz="3600" dirty="0">
+                <a:solidFill>
+                  <a:schemeClr val="bg1"/>
+                </a:solidFill>
+                <a:latin typeface="210 콤퓨타세탁 L" panose="02020603020101020101" pitchFamily="18" charset="-127"/>
+                <a:ea typeface="210 콤퓨타세탁 L" panose="02020603020101020101" pitchFamily="18" charset="-127"/>
+              </a:rPr>
+              <a:t>!</a:t>
+            </a:r>
+            <a:endParaRPr lang="ko-KR" altLang="en-US" sz="3600" dirty="0">
+              <a:solidFill>
+                <a:schemeClr val="bg1"/>
+              </a:solidFill>
+              <a:latin typeface="210 콤퓨타세탁 L" panose="02020603020101020101" pitchFamily="18" charset="-127"/>
+              <a:ea typeface="210 콤퓨타세탁 L" panose="02020603020101020101" pitchFamily="18" charset="-127"/>
+            </a:endParaRPr>
+          </a:p>
+        </p:txBody>
+      </p:sp>
+      <p:sp>
+        <p:nvSpPr>
+          <p:cNvPr id="53" name="TextBox 52">
+            <a:extLst>
+              <a:ext uri="{FF2B5EF4-FFF2-40B4-BE49-F238E27FC236}">
+                <a16:creationId xmlns:a16="http://schemas.microsoft.com/office/drawing/2014/main" id="{CC0193B6-B842-4E39-87CC-CB4CE8DE5FC6}"/>
+              </a:ext>
+            </a:extLst>
+          </p:cNvPr>
+          <p:cNvSpPr txBox="1"/>
+          <p:nvPr/>
+        </p:nvSpPr>
+        <p:spPr>
+          <a:xfrm>
+            <a:off x="5630294" y="1986979"/>
+            <a:ext cx="748214" cy="1754326"/>
+          </a:xfrm>
+          <a:prstGeom prst="rect">
+            <a:avLst/>
+          </a:prstGeom>
+          <a:noFill/>
+          <a:scene3d>
+            <a:camera prst="obliqueTopLeft"/>
+            <a:lightRig rig="threePt" dir="t"/>
+          </a:scene3d>
+        </p:spPr>
+        <p:txBody>
+          <a:bodyPr wrap="square" rtlCol="0">
+            <a:spAutoFit/>
+          </a:bodyPr>
+          <a:lstStyle/>
+          <a:p>
+            <a:r>
+              <a:rPr lang="ko-KR" altLang="en-US" sz="3600" dirty="0">
+                <a:solidFill>
+                  <a:schemeClr val="bg1"/>
+                </a:solidFill>
+                <a:latin typeface="210 콤퓨타세탁 L" panose="02020603020101020101" pitchFamily="18" charset="-127"/>
+                <a:ea typeface="210 콤퓨타세탁 L" panose="02020603020101020101" pitchFamily="18" charset="-127"/>
+              </a:rPr>
+              <a:t>고</a:t>
+            </a:r>
+            <a:endParaRPr lang="en-US" altLang="ko-KR" sz="3600" dirty="0">
+              <a:solidFill>
+                <a:schemeClr val="bg1"/>
+              </a:solidFill>
+              <a:latin typeface="210 콤퓨타세탁 L" panose="02020603020101020101" pitchFamily="18" charset="-127"/>
+              <a:ea typeface="210 콤퓨타세탁 L" panose="02020603020101020101" pitchFamily="18" charset="-127"/>
+            </a:endParaRPr>
+          </a:p>
+          <a:p>
+            <a:r>
+              <a:rPr lang="ko-KR" altLang="en-US" sz="3600" dirty="0">
+                <a:solidFill>
+                  <a:schemeClr val="bg1"/>
+                </a:solidFill>
+                <a:latin typeface="210 콤퓨타세탁 L" panose="02020603020101020101" pitchFamily="18" charset="-127"/>
+                <a:ea typeface="210 콤퓨타세탁 L" panose="02020603020101020101" pitchFamily="18" charset="-127"/>
+              </a:rPr>
+              <a:t>로</a:t>
+            </a:r>
+            <a:endParaRPr lang="en-US" altLang="ko-KR" sz="3600" dirty="0">
+              <a:solidFill>
+                <a:schemeClr val="bg1"/>
+              </a:solidFill>
+              <a:latin typeface="210 콤퓨타세탁 L" panose="02020603020101020101" pitchFamily="18" charset="-127"/>
+              <a:ea typeface="210 콤퓨타세탁 L" panose="02020603020101020101" pitchFamily="18" charset="-127"/>
+            </a:endParaRPr>
+          </a:p>
+          <a:p>
+            <a:r>
+              <a:rPr lang="ko-KR" altLang="en-US" sz="3600" dirty="0">
+                <a:solidFill>
+                  <a:schemeClr val="bg1"/>
+                </a:solidFill>
+                <a:latin typeface="210 콤퓨타세탁 L" panose="02020603020101020101" pitchFamily="18" charset="-127"/>
+                <a:ea typeface="210 콤퓨타세탁 L" panose="02020603020101020101" pitchFamily="18" charset="-127"/>
+              </a:rPr>
+              <a:t>롱</a:t>
+            </a:r>
+            <a:endParaRPr lang="en-US" altLang="ko-KR" sz="3600" dirty="0">
+              <a:solidFill>
+                <a:schemeClr val="bg1"/>
+              </a:solidFill>
+              <a:latin typeface="210 콤퓨타세탁 L" panose="02020603020101020101" pitchFamily="18" charset="-127"/>
+              <a:ea typeface="210 콤퓨타세탁 L" panose="02020603020101020101" pitchFamily="18" charset="-127"/>
+            </a:endParaRPr>
+          </a:p>
+        </p:txBody>
+      </p:sp>
+    </p:spTree>
+    <p:extLst>
+      <p:ext uri="{BB962C8B-B14F-4D97-AF65-F5344CB8AC3E}">
+        <p14:creationId xmlns:p14="http://schemas.microsoft.com/office/powerpoint/2010/main" val="1851978084"/>
+      </p:ext>
+    </p:extLst>
+  </p:cSld>
+  <p:clrMapOvr>
+    <a:masterClrMapping/>
+  </p:clrMapOvr>
+</p:sld>
+</file>
+
 <file path=ppt/theme/theme1.xml><?xml version="1.0" encoding="utf-8"?>
 <a:theme xmlns:a="http://schemas.openxmlformats.org/drawingml/2006/main" name="Office 테마">
   <a:themeElements>
